--- a/Whiteboard design session/WDS trainer presentation - Machine Learning.pptx
+++ b/Whiteboard design session/WDS trainer presentation - Machine Learning.pptx
@@ -6,7 +6,7 @@
     <p:sldMasterId id="2147483665" r:id="rId5"/>
   </p:sldMasterIdLst>
   <p:notesMasterIdLst>
-    <p:notesMasterId r:id="rId37"/>
+    <p:notesMasterId r:id="rId39"/>
   </p:notesMasterIdLst>
   <p:sldIdLst>
     <p:sldId id="300" r:id="rId6"/>
@@ -28,18 +28,20 @@
     <p:sldId id="328" r:id="rId22"/>
     <p:sldId id="329" r:id="rId23"/>
     <p:sldId id="330" r:id="rId24"/>
-    <p:sldId id="331" r:id="rId25"/>
-    <p:sldId id="332" r:id="rId26"/>
-    <p:sldId id="333" r:id="rId27"/>
-    <p:sldId id="334" r:id="rId28"/>
-    <p:sldId id="335" r:id="rId29"/>
-    <p:sldId id="336" r:id="rId30"/>
-    <p:sldId id="337" r:id="rId31"/>
-    <p:sldId id="319" r:id="rId32"/>
-    <p:sldId id="338" r:id="rId33"/>
-    <p:sldId id="339" r:id="rId34"/>
-    <p:sldId id="318" r:id="rId35"/>
-    <p:sldId id="315" r:id="rId36"/>
+    <p:sldId id="340" r:id="rId25"/>
+    <p:sldId id="331" r:id="rId26"/>
+    <p:sldId id="332" r:id="rId27"/>
+    <p:sldId id="333" r:id="rId28"/>
+    <p:sldId id="334" r:id="rId29"/>
+    <p:sldId id="335" r:id="rId30"/>
+    <p:sldId id="336" r:id="rId31"/>
+    <p:sldId id="337" r:id="rId32"/>
+    <p:sldId id="319" r:id="rId33"/>
+    <p:sldId id="338" r:id="rId34"/>
+    <p:sldId id="339" r:id="rId35"/>
+    <p:sldId id="341" r:id="rId36"/>
+    <p:sldId id="318" r:id="rId37"/>
+    <p:sldId id="315" r:id="rId38"/>
   </p:sldIdLst>
   <p:sldSz cx="12192000" cy="6858000"/>
   <p:notesSz cx="6858000" cy="9144000"/>
@@ -237,7 +239,7 @@
           <a:p>
             <a:fld id="{52A13B17-C506-4D51-BB37-16B365906619}" type="datetimeFigureOut">
               <a:rPr lang="en-US" smtClean="0"/>
-              <a:t>4/8/2020</a:t>
+              <a:t>11/5/2020</a:t>
             </a:fld>
             <a:endParaRPr lang="en-US" dirty="0"/>
           </a:p>
@@ -1197,7 +1199,7 @@
           <a:lstStyle/>
           <a:p>
             <a:r>
-              <a:rPr lang="en-US" sz="1200" b="0" kern="1200" dirty="0">
+              <a:rPr lang="en-US" sz="1200" b="0" i="0" kern="1200" dirty="0">
                 <a:solidFill>
                   <a:schemeClr val="tx1"/>
                 </a:solidFill>
@@ -1206,12 +1208,23 @@
                 <a:ea typeface="+mn-ea"/>
                 <a:cs typeface="+mn-cs"/>
               </a:rPr>
-              <a:t>In the solution the component text data is retrieved from the existing Azure SQL Database store. The labeled data provided is used within Azure Databricks to train a model that can classify the components as compliant or non-compliant. During model training, the model logs and performance metrics are collected by Azure Machine Learning into the Workspace. The model that is created is also registered there so that it can be easily retrieved and used for later evaluation or scoring. Trey can score the component descriptions in batch using Azure Databricks, where by their notebook code retrieves the trained compliance model from the Azure Machine Learning Workspace. During this process they can evaluate vehicle by vehicle and issue an alert if any vehicle has been detected with out of compliance components. An alert is issued by inserting a new document into a Cosmos DB collection. An Azure Function monitors the Cosmos DB change feed and creates a new cloud to device message to send to the vehicle via IoT Hub. Service facilities, who would not receive these pushed alerts, would be able to lookup the alerts by querying from Cosmos DB. </a:t>
-            </a:r>
-          </a:p>
-          <a:p>
-            <a:br>
-              <a:rPr lang="en-US" sz="1200" b="0" kern="1200" dirty="0">
+              <a:t>In the solution the component text data is retrieved from the existing Azure SQL Database store. The labeled data provided is used within Azure Databricks to train a model that can classify the components as compliant or non-compliant. During model training, the model logs and performance metrics are collected by Azure Machine Learning into the Workspace. The model that is created is also registered there so that it can be easily retrieved and used for later evaluation or scoring. Trey can score the component descriptions in batch using Azure Databricks, where by their notebook code retrieves the trained compliance model from the Azure Machine Learning Workspace. During this process they can evaluate vehicle by vehicle and issue an alert if any vehicle has been detected with out of compliance components. An alert is issued by inserting a new document into a Cosmos DB collection. An Azure Function monitors the Cosmos DB change feed and creates a new cloud to device message to send to the vehicle via IoT Hub. Service facilities, who would not receive these pushed alerts, would be able to lookup the alerts by querying from Cosmos DB.</a:t>
+            </a:r>
+          </a:p>
+          <a:p>
+            <a:endParaRPr lang="en-US" sz="1200" b="0" i="0" kern="1200" dirty="0">
+              <a:solidFill>
+                <a:schemeClr val="tx1"/>
+              </a:solidFill>
+              <a:effectLst/>
+              <a:latin typeface="+mn-lt"/>
+              <a:ea typeface="+mn-ea"/>
+              <a:cs typeface="+mn-cs"/>
+            </a:endParaRPr>
+          </a:p>
+          <a:p>
+            <a:r>
+              <a:rPr lang="en-US" sz="1200" b="0" i="0" kern="1200" dirty="0">
                 <a:solidFill>
                   <a:schemeClr val="tx1"/>
                 </a:solidFill>
@@ -1220,18 +1233,7 @@
                 <a:ea typeface="+mn-ea"/>
                 <a:cs typeface="+mn-cs"/>
               </a:rPr>
-            </a:br>
-            <a:r>
-              <a:rPr lang="en-US" sz="1200" b="0" kern="1200" dirty="0">
-                <a:solidFill>
-                  <a:schemeClr val="tx1"/>
-                </a:solidFill>
-                <a:effectLst/>
-                <a:latin typeface="+mn-lt"/>
-                <a:ea typeface="+mn-ea"/>
-                <a:cs typeface="+mn-cs"/>
-              </a:rPr>
-              <a:t>The process for the battery failure alerting works similarly. Trey would start by storing the historical data already have in Azure Storage blobs. This historical data would be used to train the model in Azure Databricks and register it with Azure Machine Learning. With trained model in hand, Trey could load create a notebook in Azure Databricks that uses Spark Structured Streaming to apply the model, make its forecasts and issue any alerts by writing documents to Cosmos DB for batteries forecasted to fail within 30 days. The data scored in this case would be the daily trip telemetry received from the vehicle, ingested into IoT Hub and directly read from by the Structured Streaming query. Additionally, Trey would want to archive all of the telemetry received via IoT Hub to Azure Storage blobs for the purposes of collecting historical data they can later use to improve their models and create new ones. The issued alerts would be queried or sent in the same way as described for component compliance alerts. </a:t>
+              <a:t>The process for the battery failure alerting works similarly. Trey would start by storing the historical data already have in Azure Storage blobs. This historical data would be cleaned and prepared, then used to train the model in Azure Databricks and register it with Azure Machine Learning. With the trained model in hand, Trey could load create a notebook in Azure Databricks that uses Spark Structured Streaming to apply the model, make its forecasts and issue any alerts by writing documents to Cosmos DB for batteries forecasted to fail within 30 days. The data scored in this case would be the daily trip telemetry received from the vehicle, ingested into IoT Hub and directly read from by the Structured Streaming query. Additionally, Trey would want to archive all of the telemetry received via IoT Hub to Azure Storage blobs for the purposes of collecting historical data they can later use to improve their models and create new ones. The issued alerts would be queried or sent in the same way as described for component compliance alerts.</a:t>
             </a:r>
           </a:p>
           <a:p>
@@ -1685,7 +1687,7 @@
     </p:spTree>
     <p:extLst>
       <p:ext uri="{BB962C8B-B14F-4D97-AF65-F5344CB8AC3E}">
-        <p14:creationId xmlns:p14="http://schemas.microsoft.com/office/powerpoint/2010/main" val="2448856453"/>
+        <p14:creationId xmlns:p14="http://schemas.microsoft.com/office/powerpoint/2010/main" val="1767465115"/>
       </p:ext>
     </p:extLst>
   </p:cSld>
@@ -1769,7 +1771,7 @@
     </p:spTree>
     <p:extLst>
       <p:ext uri="{BB962C8B-B14F-4D97-AF65-F5344CB8AC3E}">
-        <p14:creationId xmlns:p14="http://schemas.microsoft.com/office/powerpoint/2010/main" val="4120979596"/>
+        <p14:creationId xmlns:p14="http://schemas.microsoft.com/office/powerpoint/2010/main" val="2448856453"/>
       </p:ext>
     </p:extLst>
   </p:cSld>
@@ -1853,7 +1855,7 @@
     </p:spTree>
     <p:extLst>
       <p:ext uri="{BB962C8B-B14F-4D97-AF65-F5344CB8AC3E}">
-        <p14:creationId xmlns:p14="http://schemas.microsoft.com/office/powerpoint/2010/main" val="1720934918"/>
+        <p14:creationId xmlns:p14="http://schemas.microsoft.com/office/powerpoint/2010/main" val="4120979596"/>
       </p:ext>
     </p:extLst>
   </p:cSld>
@@ -1937,7 +1939,7 @@
     </p:spTree>
     <p:extLst>
       <p:ext uri="{BB962C8B-B14F-4D97-AF65-F5344CB8AC3E}">
-        <p14:creationId xmlns:p14="http://schemas.microsoft.com/office/powerpoint/2010/main" val="4104260338"/>
+        <p14:creationId xmlns:p14="http://schemas.microsoft.com/office/powerpoint/2010/main" val="1720934918"/>
       </p:ext>
     </p:extLst>
   </p:cSld>
@@ -2021,7 +2023,7 @@
     </p:spTree>
     <p:extLst>
       <p:ext uri="{BB962C8B-B14F-4D97-AF65-F5344CB8AC3E}">
-        <p14:creationId xmlns:p14="http://schemas.microsoft.com/office/powerpoint/2010/main" val="491186257"/>
+        <p14:creationId xmlns:p14="http://schemas.microsoft.com/office/powerpoint/2010/main" val="4104260338"/>
       </p:ext>
     </p:extLst>
   </p:cSld>
@@ -2105,7 +2107,7 @@
     </p:spTree>
     <p:extLst>
       <p:ext uri="{BB962C8B-B14F-4D97-AF65-F5344CB8AC3E}">
-        <p14:creationId xmlns:p14="http://schemas.microsoft.com/office/powerpoint/2010/main" val="3297429047"/>
+        <p14:creationId xmlns:p14="http://schemas.microsoft.com/office/powerpoint/2010/main" val="491186257"/>
       </p:ext>
     </p:extLst>
   </p:cSld>
@@ -2189,7 +2191,7 @@
     </p:spTree>
     <p:extLst>
       <p:ext uri="{BB962C8B-B14F-4D97-AF65-F5344CB8AC3E}">
-        <p14:creationId xmlns:p14="http://schemas.microsoft.com/office/powerpoint/2010/main" val="2700877158"/>
+        <p14:creationId xmlns:p14="http://schemas.microsoft.com/office/powerpoint/2010/main" val="3297429047"/>
       </p:ext>
     </p:extLst>
   </p:cSld>
@@ -2273,7 +2275,7 @@
     </p:spTree>
     <p:extLst>
       <p:ext uri="{BB962C8B-B14F-4D97-AF65-F5344CB8AC3E}">
-        <p14:creationId xmlns:p14="http://schemas.microsoft.com/office/powerpoint/2010/main" val="4115832635"/>
+        <p14:creationId xmlns:p14="http://schemas.microsoft.com/office/powerpoint/2010/main" val="2700877158"/>
       </p:ext>
     </p:extLst>
   </p:cSld>
@@ -2357,7 +2359,7 @@
     </p:spTree>
     <p:extLst>
       <p:ext uri="{BB962C8B-B14F-4D97-AF65-F5344CB8AC3E}">
-        <p14:creationId xmlns:p14="http://schemas.microsoft.com/office/powerpoint/2010/main" val="4253918470"/>
+        <p14:creationId xmlns:p14="http://schemas.microsoft.com/office/powerpoint/2010/main" val="4115832635"/>
       </p:ext>
     </p:extLst>
   </p:cSld>
@@ -2441,7 +2443,7 @@
     </p:spTree>
     <p:extLst>
       <p:ext uri="{BB962C8B-B14F-4D97-AF65-F5344CB8AC3E}">
-        <p14:creationId xmlns:p14="http://schemas.microsoft.com/office/powerpoint/2010/main" val="3114926672"/>
+        <p14:creationId xmlns:p14="http://schemas.microsoft.com/office/powerpoint/2010/main" val="4253918470"/>
       </p:ext>
     </p:extLst>
   </p:cSld>
@@ -2609,7 +2611,7 @@
     </p:spTree>
     <p:extLst>
       <p:ext uri="{BB962C8B-B14F-4D97-AF65-F5344CB8AC3E}">
-        <p14:creationId xmlns:p14="http://schemas.microsoft.com/office/powerpoint/2010/main" val="671285550"/>
+        <p14:creationId xmlns:p14="http://schemas.microsoft.com/office/powerpoint/2010/main" val="3114926672"/>
       </p:ext>
     </p:extLst>
   </p:cSld>
@@ -2646,6 +2648,174 @@
             <p:ph type="sldImg"/>
           </p:nvPr>
         </p:nvSpPr>
+        <p:spPr/>
+      </p:sp>
+      <p:sp>
+        <p:nvSpPr>
+          <p:cNvPr id="3" name="Notes Placeholder 2"/>
+          <p:cNvSpPr>
+            <a:spLocks noGrp="1"/>
+          </p:cNvSpPr>
+          <p:nvPr>
+            <p:ph type="body" idx="1"/>
+          </p:nvPr>
+        </p:nvSpPr>
+        <p:spPr/>
+        <p:txBody>
+          <a:bodyPr/>
+          <a:lstStyle/>
+          <a:p>
+            <a:endParaRPr lang="en-US" dirty="0"/>
+          </a:p>
+        </p:txBody>
+      </p:sp>
+      <p:sp>
+        <p:nvSpPr>
+          <p:cNvPr id="4" name="Slide Number Placeholder 3"/>
+          <p:cNvSpPr>
+            <a:spLocks noGrp="1"/>
+          </p:cNvSpPr>
+          <p:nvPr>
+            <p:ph type="sldNum" sz="quarter" idx="10"/>
+          </p:nvPr>
+        </p:nvSpPr>
+        <p:spPr/>
+        <p:txBody>
+          <a:bodyPr/>
+          <a:lstStyle/>
+          <a:p>
+            <a:fld id="{0998D5BB-B127-481F-BC0A-2F77C576BB34}" type="slidenum">
+              <a:rPr lang="en-US" smtClean="0"/>
+              <a:t>31</a:t>
+            </a:fld>
+            <a:endParaRPr lang="en-US" dirty="0"/>
+          </a:p>
+        </p:txBody>
+      </p:sp>
+    </p:spTree>
+    <p:extLst>
+      <p:ext uri="{BB962C8B-B14F-4D97-AF65-F5344CB8AC3E}">
+        <p14:creationId xmlns:p14="http://schemas.microsoft.com/office/powerpoint/2010/main" val="3221742603"/>
+      </p:ext>
+    </p:extLst>
+  </p:cSld>
+  <p:clrMapOvr>
+    <a:masterClrMapping/>
+  </p:clrMapOvr>
+</p:notes>
+</file>
+
+<file path=ppt/notesSlides/notesSlide32.xml><?xml version="1.0" encoding="utf-8"?>
+<p:notes xmlns:a="http://schemas.openxmlformats.org/drawingml/2006/main" xmlns:r="http://schemas.openxmlformats.org/officeDocument/2006/relationships" xmlns:p="http://schemas.openxmlformats.org/presentationml/2006/main">
+  <p:cSld>
+    <p:spTree>
+      <p:nvGrpSpPr>
+        <p:cNvPr id="1" name=""/>
+        <p:cNvGrpSpPr/>
+        <p:nvPr/>
+      </p:nvGrpSpPr>
+      <p:grpSpPr>
+        <a:xfrm>
+          <a:off x="0" y="0"/>
+          <a:ext cx="0" cy="0"/>
+          <a:chOff x="0" y="0"/>
+          <a:chExt cx="0" cy="0"/>
+        </a:xfrm>
+      </p:grpSpPr>
+      <p:sp>
+        <p:nvSpPr>
+          <p:cNvPr id="2" name="Slide Image Placeholder 1"/>
+          <p:cNvSpPr>
+            <a:spLocks noGrp="1" noRot="1" noChangeAspect="1"/>
+          </p:cNvSpPr>
+          <p:nvPr>
+            <p:ph type="sldImg"/>
+          </p:nvPr>
+        </p:nvSpPr>
+        <p:spPr/>
+      </p:sp>
+      <p:sp>
+        <p:nvSpPr>
+          <p:cNvPr id="3" name="Notes Placeholder 2"/>
+          <p:cNvSpPr>
+            <a:spLocks noGrp="1"/>
+          </p:cNvSpPr>
+          <p:nvPr>
+            <p:ph type="body" idx="1"/>
+          </p:nvPr>
+        </p:nvSpPr>
+        <p:spPr/>
+        <p:txBody>
+          <a:bodyPr/>
+          <a:lstStyle/>
+          <a:p>
+            <a:endParaRPr lang="en-US" dirty="0"/>
+          </a:p>
+        </p:txBody>
+      </p:sp>
+      <p:sp>
+        <p:nvSpPr>
+          <p:cNvPr id="4" name="Slide Number Placeholder 3"/>
+          <p:cNvSpPr>
+            <a:spLocks noGrp="1"/>
+          </p:cNvSpPr>
+          <p:nvPr>
+            <p:ph type="sldNum" sz="quarter" idx="10"/>
+          </p:nvPr>
+        </p:nvSpPr>
+        <p:spPr/>
+        <p:txBody>
+          <a:bodyPr/>
+          <a:lstStyle/>
+          <a:p>
+            <a:fld id="{0998D5BB-B127-481F-BC0A-2F77C576BB34}" type="slidenum">
+              <a:rPr lang="en-US" smtClean="0"/>
+              <a:t>32</a:t>
+            </a:fld>
+            <a:endParaRPr lang="en-US" dirty="0"/>
+          </a:p>
+        </p:txBody>
+      </p:sp>
+    </p:spTree>
+    <p:extLst>
+      <p:ext uri="{BB962C8B-B14F-4D97-AF65-F5344CB8AC3E}">
+        <p14:creationId xmlns:p14="http://schemas.microsoft.com/office/powerpoint/2010/main" val="671285550"/>
+      </p:ext>
+    </p:extLst>
+  </p:cSld>
+  <p:clrMapOvr>
+    <a:masterClrMapping/>
+  </p:clrMapOvr>
+</p:notes>
+</file>
+
+<file path=ppt/notesSlides/notesSlide33.xml><?xml version="1.0" encoding="utf-8"?>
+<p:notes xmlns:a="http://schemas.openxmlformats.org/drawingml/2006/main" xmlns:r="http://schemas.openxmlformats.org/officeDocument/2006/relationships" xmlns:p="http://schemas.openxmlformats.org/presentationml/2006/main">
+  <p:cSld>
+    <p:spTree>
+      <p:nvGrpSpPr>
+        <p:cNvPr id="1" name=""/>
+        <p:cNvGrpSpPr/>
+        <p:nvPr/>
+      </p:nvGrpSpPr>
+      <p:grpSpPr>
+        <a:xfrm>
+          <a:off x="0" y="0"/>
+          <a:ext cx="0" cy="0"/>
+          <a:chOff x="0" y="0"/>
+          <a:chExt cx="0" cy="0"/>
+        </a:xfrm>
+      </p:grpSpPr>
+      <p:sp>
+        <p:nvSpPr>
+          <p:cNvPr id="2" name="Slide Image Placeholder 1"/>
+          <p:cNvSpPr>
+            <a:spLocks noGrp="1" noRot="1" noChangeAspect="1"/>
+          </p:cNvSpPr>
+          <p:nvPr>
+            <p:ph type="sldImg"/>
+          </p:nvPr>
+        </p:nvSpPr>
         <p:spPr>
           <a:xfrm>
             <a:off x="381000" y="685800"/>
@@ -2726,7 +2896,7 @@
                   <a:prstClr val="black"/>
                 </a:solidFill>
               </a:rPr>
-              <a:t>4/8/2020 2:14 PM</a:t>
+              <a:t>11/5/2020 9:17 PM</a:t>
             </a:fld>
             <a:endParaRPr lang="en-US" dirty="0">
               <a:solidFill>
@@ -2758,7 +2928,7 @@
                 </a:solidFill>
               </a:rPr>
               <a:pPr/>
-              <a:t>31</a:t>
+              <a:t>33</a:t>
             </a:fld>
             <a:endParaRPr lang="en-US" dirty="0">
               <a:solidFill>
@@ -17004,10 +17174,10 @@
       </p:sp>
       <p:pic>
         <p:nvPicPr>
-          <p:cNvPr id="7" name="Picture 6" descr="Flow diagram of the preferred solution, the details of which are described in the speaker notes.">
+          <p:cNvPr id="4" name="Picture 3" descr="The architecure diagram of the preferred solution">
             <a:extLst>
               <a:ext uri="{FF2B5EF4-FFF2-40B4-BE49-F238E27FC236}">
-                <a16:creationId xmlns:a16="http://schemas.microsoft.com/office/drawing/2014/main" id="{928B4DD8-1CF7-41D6-A2D3-F8715998DDAB}"/>
+                <a16:creationId xmlns:a16="http://schemas.microsoft.com/office/drawing/2014/main" id="{BAFC82A8-0327-4277-BEC7-C643EF96C007}"/>
               </a:ext>
             </a:extLst>
           </p:cNvPr>
@@ -17017,7 +17187,7 @@
           <p:nvPr/>
         </p:nvPicPr>
         <p:blipFill>
-          <a:blip r:embed="rId3">
+          <a:blip r:embed="rId3" cstate="print">
             <a:extLst>
               <a:ext uri="{28A0092B-C50C-407E-A947-70E740481C1C}">
                 <a14:useLocalDpi xmlns:a14="http://schemas.microsoft.com/office/drawing/2010/main" val="0"/>
@@ -17030,8 +17200,8 @@
         </p:blipFill>
         <p:spPr>
           <a:xfrm>
-            <a:off x="782616" y="1338765"/>
-            <a:ext cx="9956843" cy="5231395"/>
+            <a:off x="1171371" y="1189176"/>
+            <a:ext cx="9849257" cy="5509911"/>
           </a:xfrm>
           <a:prstGeom prst="rect">
             <a:avLst/>
@@ -17565,7 +17735,7 @@
             </a:pPr>
             <a:r>
               <a:rPr lang="en-US" sz="2000" b="1" i="1" dirty="0"/>
-              <a:t>With regards to the model, what options does Trey have for creating the model against the time series data? Should they create a regression model, a forecasting model or a classifier? Why?</a:t>
+              <a:t>Describe how Trey would approach the data cleansing and preparation process</a:t>
             </a:r>
           </a:p>
           <a:p>
@@ -17574,37 +17744,8 @@
             </a:pPr>
             <a:r>
               <a:rPr lang="en-US" sz="2000" dirty="0"/>
-              <a:t>When forecasting against time-series data Trey should pick a forecasting model so as to take advantage of the temporal signals in the data. While a regression could work in this scenario, it is not common practice to use a regression when time series data is available. </a:t>
-            </a:r>
-          </a:p>
-          <a:p>
-            <a:pPr marL="0" indent="0">
-              <a:buNone/>
-            </a:pPr>
-            <a:endParaRPr lang="en-US" sz="2000" b="1" i="1" dirty="0"/>
-          </a:p>
-          <a:p>
-            <a:pPr marL="0" indent="0">
-              <a:buNone/>
-            </a:pPr>
-            <a:r>
-              <a:rPr lang="en-US" sz="2000" b="1" i="1" dirty="0"/>
-              <a:t>Can this model be built using machine learning or does it require deep learning?</a:t>
-            </a:r>
-          </a:p>
-          <a:p>
-            <a:pPr marL="0" indent="0">
-              <a:buNone/>
-            </a:pPr>
-            <a:r>
-              <a:rPr lang="en-US" sz="2000" dirty="0"/>
-              <a:t>This model can be built using forecasting techniques from either machine learning or deep learning.</a:t>
-            </a:r>
-          </a:p>
-          <a:p>
-            <a:pPr marL="0" indent="0">
-              <a:buNone/>
-            </a:pPr>
+              <a:t>First, data needs to be analyzed using a combination of numerical and visual methods (e.g., display the time series and attempt to identify any anomalies visually). Next, we validate the preliminary hypothesis related to data issues using proper metrics. Once we complete the identification and validation of the problems, we eliminate each one of them until the data is clean.</a:t>
+            </a:r>
             <a:endParaRPr lang="en-US" sz="1800" dirty="0"/>
           </a:p>
           <a:p>
@@ -17733,7 +17874,7 @@
         <p:spPr>
           <a:xfrm>
             <a:off x="377863" y="1179947"/>
-            <a:ext cx="10984207" cy="5543056"/>
+            <a:ext cx="10984207" cy="5604611"/>
           </a:xfrm>
           <a:prstGeom prst="rect">
             <a:avLst/>
@@ -17746,20 +17887,47 @@
           </a:bodyPr>
           <a:lstStyle/>
           <a:p>
-            <a:pPr>
-              <a:spcAft>
-                <a:spcPts val="600"/>
-              </a:spcAft>
-            </a:pPr>
-            <a:r>
-              <a:rPr lang="en-US" sz="2400" dirty="0"/>
-              <a:t>In this whiteboard design session, you will work with a group to design and implement a solution that combines Azure Databricks with Azure Machine Learning to build, train and deploy the machine learning and deep learning models. You will learn how to use automated machine learning, model lifecycle management from training to deployment, in batch and real-time inferencing scenarios, and construct deep learning models for Natural Language Processing (NLP) in text classification and forecasting against time-series data.  You will also learn how to use MLflow for managing experiments run directly on the Azure Databricks cluster and how MLflow can seamlessly log metrics and training artifacts in your Azure Machine Learning workspace. Finally, you’ll learn to compare data with PyTorch and Keras for deep learning.</a:t>
-            </a:r>
-          </a:p>
-          <a:p>
-            <a:r>
-              <a:rPr lang="en-US" sz="2400" dirty="0"/>
-              <a:t>At the end of this workshop, you will have a deeper understanding of the capabilities and implementation solutions when leveraging the Azure Machine Learning and Azure Databricks.</a:t>
+            <a:r>
+              <a:rPr lang="en-US" sz="2300" dirty="0"/>
+              <a:t>In this whiteboard design session, you will work with a group to design and implement a solution that combines Azure Databricks with Azure Machine Learning to build, train, and deploy machine learning and deep learning models. You will learn how to prepare data for training and use automated machine learning and model lifecycle management from training to deployment (in batch and real-time inferencing scenarios). You will also learn to build deep learning models for Natural Language Processing (NLP) in text classification and forecasting against time-series data and address the model interpretability problem. Finally, you will learn how to use </a:t>
+            </a:r>
+            <a:r>
+              <a:rPr lang="en-US" sz="2300" dirty="0" err="1"/>
+              <a:t>MLflow</a:t>
+            </a:r>
+            <a:r>
+              <a:rPr lang="en-US" sz="2300" dirty="0"/>
+              <a:t> for managing experiments run directly on the Azure Databricks cluster and how </a:t>
+            </a:r>
+            <a:r>
+              <a:rPr lang="en-US" sz="2300" dirty="0" err="1"/>
+              <a:t>MLflow</a:t>
+            </a:r>
+            <a:r>
+              <a:rPr lang="en-US" sz="2300" dirty="0"/>
+              <a:t> can seamlessly log metrics and training artifacts in your Azure Machine Learning workspace. In the process, you will also get to compare data with </a:t>
+            </a:r>
+            <a:r>
+              <a:rPr lang="en-US" sz="2300" dirty="0" err="1"/>
+              <a:t>PyTorch</a:t>
+            </a:r>
+            <a:r>
+              <a:rPr lang="en-US" sz="2300" dirty="0"/>
+              <a:t> and </a:t>
+            </a:r>
+            <a:r>
+              <a:rPr lang="en-US" sz="2300" dirty="0" err="1"/>
+              <a:t>Keras</a:t>
+            </a:r>
+            <a:r>
+              <a:rPr lang="en-US" sz="2300" dirty="0"/>
+              <a:t> for deep learning.</a:t>
+            </a:r>
+          </a:p>
+          <a:p>
+            <a:r>
+              <a:rPr lang="en-US" sz="2300" dirty="0"/>
+              <a:t>At the end of this workshop, you will have a deeper understanding of the capabilities and implementation solutions when leveraging Azure Machine Learning and Azure Databricks.</a:t>
             </a:r>
           </a:p>
         </p:txBody>
@@ -17857,8 +18025,8 @@
         </p:nvSpPr>
         <p:spPr>
           <a:xfrm>
-            <a:off x="266921" y="2125663"/>
-            <a:ext cx="11653523" cy="4373066"/>
+            <a:off x="269238" y="1415481"/>
+            <a:ext cx="11653523" cy="5153008"/>
           </a:xfrm>
         </p:spPr>
         <p:txBody>
@@ -17870,18 +18038,24 @@
             <a:pPr marL="0" indent="0">
               <a:buNone/>
             </a:pPr>
-            <a:r>
-              <a:rPr lang="en-US" sz="2000" b="1" i="1" dirty="0"/>
-              <a:t>If you were to suggest a deep learning model for forecasting against the time-series data, what architecture of neural network would you consider using first?</a:t>
-            </a:r>
+            <a:endParaRPr lang="en-US" sz="2000" b="1" i="1" dirty="0"/>
           </a:p>
           <a:p>
             <a:pPr marL="0" indent="0">
               <a:buNone/>
             </a:pPr>
             <a:r>
+              <a:rPr lang="en-US" sz="2000" b="1" i="1" dirty="0"/>
+              <a:t>With regards to the model, what options does Trey have for creating the model against the time series data? Should they create a regression model, a forecasting model or a classifier? Why?</a:t>
+            </a:r>
+          </a:p>
+          <a:p>
+            <a:pPr marL="0" indent="0">
+              <a:buNone/>
+            </a:pPr>
+            <a:r>
               <a:rPr lang="en-US" sz="2000" dirty="0"/>
-              <a:t>Generally, when forecasting against time-series data the predictions desired should be informed by all the historical data but place more emphasis on more recent data. Recurrent Neural Networks (RNN's) provide such capability, and that is why they are frequently the first neural network architecture attempted with time-series data.</a:t>
+              <a:t>When forecasting against time-series data Trey should pick a forecasting model so as to take advantage of the temporal signals in the data. While a regression could work in this scenario, it is not common practice to use a regression when time series data is available. </a:t>
             </a:r>
           </a:p>
           <a:p>
@@ -17896,7 +18070,7 @@
             </a:pPr>
             <a:r>
               <a:rPr lang="en-US" sz="2000" b="1" i="1" dirty="0"/>
-              <a:t>Describe how Trey would use the model in the context of scoring the streaming telemetry? What services and frameworks would you suggest?</a:t>
+              <a:t>Can this model be built using machine learning or does it require deep learning?</a:t>
             </a:r>
           </a:p>
           <a:p>
@@ -17905,8 +18079,14 @@
             </a:pPr>
             <a:r>
               <a:rPr lang="en-US" sz="2000" dirty="0"/>
-              <a:t>Trey should use the model within notebooks running in Azure Databricks, and apply the model using Spark Streaming to forecast results on micro-batches of battery telemetry as they arrive. </a:t>
-            </a:r>
+              <a:t>This model can be built using forecasting techniques from either machine learning or deep learning.</a:t>
+            </a:r>
+          </a:p>
+          <a:p>
+            <a:pPr marL="0" indent="0">
+              <a:buNone/>
+            </a:pPr>
+            <a:endParaRPr lang="en-US" sz="1800" dirty="0"/>
           </a:p>
           <a:p>
             <a:pPr marL="0" indent="0">
@@ -17946,7 +18126,7 @@
     </p:spTree>
     <p:extLst>
       <p:ext uri="{BB962C8B-B14F-4D97-AF65-F5344CB8AC3E}">
-        <p14:creationId xmlns:p14="http://schemas.microsoft.com/office/powerpoint/2010/main" val="1359519361"/>
+        <p14:creationId xmlns:p14="http://schemas.microsoft.com/office/powerpoint/2010/main" val="624823080"/>
       </p:ext>
     </p:extLst>
   </p:cSld>
@@ -18005,7 +18185,7 @@
                 </a:solidFill>
                 <a:cs typeface="Segoe UI" panose="020B0502040204020203" pitchFamily="34" charset="0"/>
               </a:rPr>
-              <a:t>Preferred solution – automated machine learning</a:t>
+              <a:t>Preferred solution – forecasting battery failure (continued)</a:t>
             </a:r>
             <a:br>
               <a:rPr lang="en-US" dirty="0">
@@ -18036,8 +18216,8 @@
         </p:nvSpPr>
         <p:spPr>
           <a:xfrm>
-            <a:off x="266922" y="1529806"/>
-            <a:ext cx="11653523" cy="4849314"/>
+            <a:off x="266921" y="2125663"/>
+            <a:ext cx="11653523" cy="4373066"/>
           </a:xfrm>
         </p:spPr>
         <p:txBody>
@@ -18051,7 +18231,7 @@
             </a:pPr>
             <a:r>
               <a:rPr lang="en-US" sz="2000" b="1" i="1" dirty="0"/>
-              <a:t>For which scenario could Trey apply automated machine learning? Why? </a:t>
+              <a:t>If you were to suggest a deep learning model for forecasting against the time-series data, what architecture of neural network would you consider using first?</a:t>
             </a:r>
           </a:p>
           <a:p>
@@ -18060,7 +18240,7 @@
             </a:pPr>
             <a:r>
               <a:rPr lang="en-US" sz="2000" dirty="0"/>
-              <a:t>While automated machine learning could be applied to both scenarios, the significant additional data preparation required for text classification means that automated machine learning could not be applied outright. However, for the time-series battery lifecycle data they could directly use the automated machine learning capabilities of Azure Machine Learning to create a forecast model. </a:t>
+              <a:t>Generally, when forecasting against time-series data the predictions desired should be informed by all the historical data but place more emphasis on more recent data. Recurrent Neural Networks (RNN's) provide such capability, and that is why they are frequently the first neural network architecture attempted with time-series data.</a:t>
             </a:r>
           </a:p>
           <a:p>
@@ -18075,7 +18255,7 @@
             </a:pPr>
             <a:r>
               <a:rPr lang="en-US" sz="2000" b="1" i="1" dirty="0"/>
-              <a:t>How could they use automated machine learning with Azure Databricks?</a:t>
+              <a:t>Describe how Trey would use the model in the context of scoring the streaming telemetry? What services and frameworks would you suggest?</a:t>
             </a:r>
           </a:p>
           <a:p>
@@ -18084,36 +18264,14 @@
             </a:pPr>
             <a:r>
               <a:rPr lang="en-US" sz="2000" dirty="0"/>
-              <a:t>Trey has two options for leveraging automated machine learning: </a:t>
+              <a:t>Trey should use the model within notebooks running in Azure Databricks, and apply the model using Spark Streaming to forecast results on micro-batches of battery telemetry as they arrive. </a:t>
             </a:r>
           </a:p>
           <a:p>
             <a:pPr marL="0" indent="0">
               <a:buNone/>
             </a:pPr>
-            <a:r>
-              <a:rPr lang="en-US" sz="2000" dirty="0"/>
-              <a:t>- They could train the model with the user experience that is available from the Azure Machine Learning workspace in the Azure Machine Learning studio, and then register the trained model with the workspace.</a:t>
-            </a:r>
-          </a:p>
-          <a:p>
-            <a:pPr marL="0" indent="0">
-              <a:buNone/>
-            </a:pPr>
-            <a:r>
-              <a:rPr lang="en-US" sz="2000" dirty="0"/>
-              <a:t>- They could train the model using automated machine learning via the Azure Machine Learning Python SDK within a Databricks notebooks, and then register the model that results.</a:t>
-            </a:r>
-          </a:p>
-          <a:p>
-            <a:pPr marL="0" indent="0">
-              <a:buNone/>
-            </a:pPr>
-            <a:r>
-              <a:rPr lang="en-US" sz="2000" dirty="0"/>
-              <a:t>With the registered model available, any notebooks they would build that use the model for scoring would retrieve the model from the Azure Machine Learning registry using the Azure Machine Learning Python SDK.</a:t>
-            </a:r>
-            <a:endParaRPr lang="en-US" sz="4000" dirty="0">
+            <a:endParaRPr lang="en-US" sz="3600" dirty="0">
               <a:solidFill>
                 <a:schemeClr val="tx1"/>
               </a:solidFill>
@@ -18147,7 +18305,7 @@
     </p:spTree>
     <p:extLst>
       <p:ext uri="{BB962C8B-B14F-4D97-AF65-F5344CB8AC3E}">
-        <p14:creationId xmlns:p14="http://schemas.microsoft.com/office/powerpoint/2010/main" val="242376616"/>
+        <p14:creationId xmlns:p14="http://schemas.microsoft.com/office/powerpoint/2010/main" val="1359519361"/>
       </p:ext>
     </p:extLst>
   </p:cSld>
@@ -18206,7 +18364,7 @@
                 </a:solidFill>
                 <a:cs typeface="Segoe UI" panose="020B0502040204020203" pitchFamily="34" charset="0"/>
               </a:rPr>
-              <a:t>Preferred solution – model management</a:t>
+              <a:t>Preferred solution – automated machine learning</a:t>
             </a:r>
             <a:br>
               <a:rPr lang="en-US" dirty="0">
@@ -18237,8 +18395,8 @@
         </p:nvSpPr>
         <p:spPr>
           <a:xfrm>
-            <a:off x="266922" y="1510511"/>
-            <a:ext cx="11653523" cy="5004589"/>
+            <a:off x="266922" y="1529806"/>
+            <a:ext cx="11653523" cy="4849314"/>
           </a:xfrm>
         </p:spPr>
         <p:txBody>
@@ -18251,8 +18409,8 @@
               <a:buNone/>
             </a:pPr>
             <a:r>
-              <a:rPr lang="en-US" sz="1800" b="1" i="1" dirty="0"/>
-              <a:t>For both models, how should Trey track the performance of each of their training runs?</a:t>
+              <a:rPr lang="en-US" sz="2000" b="1" i="1" dirty="0"/>
+              <a:t>For which scenario could Trey apply automated machine learning? Why? </a:t>
             </a:r>
           </a:p>
           <a:p>
@@ -18260,23 +18418,23 @@
               <a:buNone/>
             </a:pPr>
             <a:r>
-              <a:rPr lang="en-US" sz="1800" dirty="0"/>
-              <a:t>There are two approaches to manage the life cycle of the machine learning experiments. In the first approach, within their notebooks that perform model training, Trey should be using the Azure Machine Learning Python SDK to create an experiment for session. Within this experiment they can create a run each time they train the model and capture logs, the training time taken and any performance metrics that result from the model evaluation. In the second approach, they can continue to leverage their existing investments in MLflow and simply connect the MLflow experiments with Azure Machine Learning. By doing so it will enable Trey to automatically track and log experiment metrics in artifacts in the Azure Machine Learning workspace. Thus, Trey can also take advantage of the Azure Machine Learning workspace that provides a centralized, secure, and scalable location to store training metrics and models. </a:t>
+              <a:rPr lang="en-US" sz="2000" dirty="0"/>
+              <a:t>While automated machine learning could be applied to both scenarios, the significant additional data preparation required for text classification means that automated machine learning could not be applied outright. However, for the time-series battery lifecycle data they could directly use the automated machine learning capabilities of Azure Machine Learning to create a forecast model. </a:t>
             </a:r>
           </a:p>
           <a:p>
             <a:pPr marL="0" indent="0">
               <a:buNone/>
             </a:pPr>
-            <a:endParaRPr lang="en-US" sz="1800" b="1" i="1" dirty="0"/>
+            <a:endParaRPr lang="en-US" sz="2000" b="1" i="1" dirty="0"/>
           </a:p>
           <a:p>
             <a:pPr marL="0" indent="0">
               <a:buNone/>
             </a:pPr>
             <a:r>
-              <a:rPr lang="en-US" sz="1800" b="1" i="1" dirty="0"/>
-              <a:t>Can they quickly view this experiment data somewhere? Are there programmatic options to querying this data?</a:t>
+              <a:rPr lang="en-US" sz="2000" b="1" i="1" dirty="0"/>
+              <a:t>How could they use automated machine learning with Azure Databricks?</a:t>
             </a:r>
           </a:p>
           <a:p>
@@ -18284,16 +18442,71 @@
               <a:buNone/>
             </a:pPr>
             <a:r>
-              <a:rPr lang="en-US" sz="1800" dirty="0"/>
-              <a:t>Once the data is for an experiment is collected in the Azure Machine Learning workspace, Trey can view it from the Experiments tab of the Azure Machine Learning studio. From here they can drill into each run and explore the run details. Using the Azure Machine Learning Python SDK from a notebook, Trey can retrieve all of the experiments and run details and evaluate them programmatically (for example to pick the best run according to some custom logic).</a:t>
-            </a:r>
+              <a:rPr lang="en-US" sz="2000" dirty="0"/>
+              <a:t>Trey has two options for leveraging automated machine learning: </a:t>
+            </a:r>
+          </a:p>
+          <a:p>
+            <a:pPr marL="0" indent="0">
+              <a:buNone/>
+            </a:pPr>
+            <a:r>
+              <a:rPr lang="en-US" sz="2000" dirty="0"/>
+              <a:t>- They could train the model with the user experience that is available from the Azure Machine Learning workspace in the Azure Machine Learning studio, and then register the trained model with the workspace.</a:t>
+            </a:r>
+          </a:p>
+          <a:p>
+            <a:pPr marL="0" indent="0">
+              <a:buNone/>
+            </a:pPr>
+            <a:r>
+              <a:rPr lang="en-US" sz="2000" dirty="0"/>
+              <a:t>- They could train the model using automated machine learning via the Azure Machine Learning Python SDK within a Databricks notebooks, and then register the model that results.</a:t>
+            </a:r>
+          </a:p>
+          <a:p>
+            <a:pPr marL="0" indent="0">
+              <a:buNone/>
+            </a:pPr>
+            <a:r>
+              <a:rPr lang="en-US" sz="2000" dirty="0"/>
+              <a:t>With the registered model available, any notebooks they would build that use the model for scoring would retrieve the model from the Azure Machine Learning registry using the Azure Machine Learning Python SDK.</a:t>
+            </a:r>
+            <a:endParaRPr lang="en-US" sz="4000" dirty="0">
+              <a:solidFill>
+                <a:schemeClr val="tx1"/>
+              </a:solidFill>
+            </a:endParaRPr>
+          </a:p>
+          <a:p>
+            <a:pPr marL="0" indent="0">
+              <a:buNone/>
+            </a:pPr>
+            <a:endParaRPr lang="en-US" sz="3600" dirty="0">
+              <a:solidFill>
+                <a:schemeClr val="tx1"/>
+              </a:solidFill>
+            </a:endParaRPr>
+          </a:p>
+          <a:p>
+            <a:pPr marL="0" indent="0">
+              <a:spcAft>
+                <a:spcPts val="882"/>
+              </a:spcAft>
+              <a:buNone/>
+            </a:pPr>
+            <a:endParaRPr lang="en-US" sz="1800" dirty="0">
+              <a:solidFill>
+                <a:schemeClr val="tx1"/>
+              </a:solidFill>
+            </a:endParaRPr>
           </a:p>
         </p:txBody>
       </p:sp>
     </p:spTree>
     <p:extLst>
       <p:ext uri="{BB962C8B-B14F-4D97-AF65-F5344CB8AC3E}">
-        <p14:creationId xmlns:p14="http://schemas.microsoft.com/office/powerpoint/2010/main" val="1054553026"/>
+        <p14:creationId xmlns:p14="http://schemas.microsoft.com/office/powerpoint/2010/main" val="242376616"/>
       </p:ext>
     </p:extLst>
   </p:cSld>
@@ -18352,7 +18565,7 @@
                 </a:solidFill>
                 <a:cs typeface="Segoe UI" panose="020B0502040204020203" pitchFamily="34" charset="0"/>
               </a:rPr>
-              <a:t>Preferred solution – model management (continued)</a:t>
+              <a:t>Preferred solution – model management</a:t>
             </a:r>
             <a:br>
               <a:rPr lang="en-US" dirty="0">
@@ -18383,8 +18596,8 @@
         </p:nvSpPr>
         <p:spPr>
           <a:xfrm>
-            <a:off x="266922" y="1939675"/>
-            <a:ext cx="11653523" cy="4114284"/>
+            <a:off x="266922" y="1510511"/>
+            <a:ext cx="11653523" cy="5004589"/>
           </a:xfrm>
         </p:spPr>
         <p:txBody>
@@ -18397,8 +18610,8 @@
               <a:buNone/>
             </a:pPr>
             <a:r>
-              <a:rPr lang="en-US" sz="2000" b="1" i="1" dirty="0"/>
-              <a:t>How would they manage versioning of each the models they have created and associate these models with the results of evaluating their performance?</a:t>
+              <a:rPr lang="en-US" sz="1800" b="1" i="1" dirty="0"/>
+              <a:t>For both models, how should Trey track the performance of each of their training runs?</a:t>
             </a:r>
           </a:p>
           <a:p>
@@ -18406,23 +18619,23 @@
               <a:buNone/>
             </a:pPr>
             <a:r>
-              <a:rPr lang="en-US" sz="2000" dirty="0"/>
-              <a:t>When they complete a training run for a model they would like to keep, Trey can use the Azure Machine Learning Python SDK to register the model in its registry. Each time they register a model with the same name, Azure Machine Learning will automatically version the model and add the new model to the version history. They can register models using the run, and by doing so will automatically associate the model with run and the performance metrics it contains.</a:t>
+              <a:rPr lang="en-US" sz="1800" dirty="0"/>
+              <a:t>There are two approaches to manage the life cycle of the machine learning experiments. In the first approach, within their notebooks that perform model training, Trey should be using the Azure Machine Learning Python SDK to create an experiment for session. Within this experiment they can create a run each time they train the model and capture logs, the training time taken and any performance metrics that result from the model evaluation. In the second approach, they can continue to leverage their existing investments in MLflow and simply connect the MLflow experiments with Azure Machine Learning. By doing so it will enable Trey to automatically track and log experiment metrics in artifacts in the Azure Machine Learning workspace. Thus, Trey can also take advantage of the Azure Machine Learning workspace that provides a centralized, secure, and scalable location to store training metrics and models. </a:t>
             </a:r>
           </a:p>
           <a:p>
             <a:pPr marL="0" indent="0">
               <a:buNone/>
             </a:pPr>
-            <a:endParaRPr lang="en-US" sz="2000" b="1" i="1" dirty="0"/>
+            <a:endParaRPr lang="en-US" sz="1800" b="1" i="1" dirty="0"/>
           </a:p>
           <a:p>
             <a:pPr marL="0" indent="0">
               <a:buNone/>
             </a:pPr>
             <a:r>
-              <a:rPr lang="en-US" sz="2000" b="1" i="1" dirty="0"/>
-              <a:t>In your solution, how will Trey retrieve previous versions of models and use them for further evaluation or scoring?</a:t>
+              <a:rPr lang="en-US" sz="1800" b="1" i="1" dirty="0"/>
+              <a:t>Can they quickly view this experiment data somewhere? Are there programmatic options to querying this data?</a:t>
             </a:r>
           </a:p>
           <a:p>
@@ -18430,34 +18643,16 @@
               <a:buNone/>
             </a:pPr>
             <a:r>
-              <a:rPr lang="en-US" sz="2000" dirty="0"/>
-              <a:t>They can retrieve previous versions of a model by going to the Azure Machine Learning workspace, Models tab in the Azure Machine Learning studio or by requesting the model from a notebook using the Azure Machine Learning Python SDK.</a:t>
-            </a:r>
-            <a:endParaRPr lang="en-US" sz="4000" dirty="0">
-              <a:solidFill>
-                <a:schemeClr val="tx1"/>
-              </a:solidFill>
-            </a:endParaRPr>
-          </a:p>
-          <a:p>
-            <a:pPr marL="0" indent="0">
-              <a:spcAft>
-                <a:spcPts val="882"/>
-              </a:spcAft>
-              <a:buNone/>
-            </a:pPr>
-            <a:endParaRPr lang="en-US" sz="1800" dirty="0">
-              <a:solidFill>
-                <a:schemeClr val="tx1"/>
-              </a:solidFill>
-            </a:endParaRPr>
+              <a:rPr lang="en-US" sz="1800" dirty="0"/>
+              <a:t>Once the data is for an experiment is collected in the Azure Machine Learning workspace, Trey can view it from the Experiments tab of the Azure Machine Learning studio. From here they can drill into each run and explore the run details. Using the Azure Machine Learning Python SDK from a notebook, Trey can retrieve all of the experiments and run details and evaluate them programmatically (for example to pick the best run according to some custom logic).</a:t>
+            </a:r>
           </a:p>
         </p:txBody>
       </p:sp>
     </p:spTree>
     <p:extLst>
       <p:ext uri="{BB962C8B-B14F-4D97-AF65-F5344CB8AC3E}">
-        <p14:creationId xmlns:p14="http://schemas.microsoft.com/office/powerpoint/2010/main" val="2081063598"/>
+        <p14:creationId xmlns:p14="http://schemas.microsoft.com/office/powerpoint/2010/main" val="1054553026"/>
       </p:ext>
     </p:extLst>
   </p:cSld>
@@ -18516,7 +18711,7 @@
                 </a:solidFill>
                 <a:cs typeface="Segoe UI" panose="020B0502040204020203" pitchFamily="34" charset="0"/>
               </a:rPr>
-              <a:t>Preferred solution – model explainability and reproducibility</a:t>
+              <a:t>Preferred solution – model management (continued)</a:t>
             </a:r>
             <a:br>
               <a:rPr lang="en-US" dirty="0">
@@ -18547,8 +18742,8 @@
         </p:nvSpPr>
         <p:spPr>
           <a:xfrm>
-            <a:off x="266921" y="1677091"/>
-            <a:ext cx="11653523" cy="4956624"/>
+            <a:off x="266922" y="1939675"/>
+            <a:ext cx="11653523" cy="4114284"/>
           </a:xfrm>
         </p:spPr>
         <p:txBody>
@@ -18561,8 +18756,8 @@
               <a:buNone/>
             </a:pPr>
             <a:r>
-              <a:rPr lang="en-US" sz="1900" b="1" i="1" dirty="0"/>
-              <a:t>How would you suggest Trey programmatically create explanations of their models? What is the process? Explain how it works to improve the interpretability of the model generally as well as for the results of specific predictions.</a:t>
+              <a:rPr lang="en-US" sz="2000" b="1" i="1" dirty="0"/>
+              <a:t>How would they manage versioning of each the models they have created and associate these models with the results of evaluating their performance?</a:t>
             </a:r>
           </a:p>
           <a:p>
@@ -18570,61 +18765,58 @@
               <a:buNone/>
             </a:pPr>
             <a:r>
-              <a:rPr lang="en-US" sz="1900" dirty="0"/>
-              <a:t>The Azure Machine Learning SDK includes interpretability features that accept a trained model along with training or test data and can return insights on why the model is making its decisions by providing analysis like which features have the greatest impact on the model's predictions. </a:t>
+              <a:rPr lang="en-US" sz="2000" dirty="0"/>
+              <a:t>When they complete a training run for a model they would like to keep, Trey can use the Azure Machine Learning Python SDK to register the model in its registry. Each time they register a model with the same name, Azure Machine Learning will automatically version the model and add the new model to the version history. They can register models using the run, and by doing so will automatically associate the model with run and the performance metrics it contains.</a:t>
             </a:r>
           </a:p>
           <a:p>
             <a:pPr marL="0" indent="0">
               <a:buNone/>
             </a:pPr>
-            <a:endParaRPr lang="en-US" sz="1900" dirty="0"/>
+            <a:endParaRPr lang="en-US" sz="2000" b="1" i="1" dirty="0"/>
           </a:p>
           <a:p>
             <a:pPr marL="0" indent="0">
               <a:buNone/>
             </a:pPr>
             <a:r>
-              <a:rPr lang="en-US" sz="1900" dirty="0"/>
-              <a:t>This approach can be performed globally (against the entire data set provided) or against a single sample from the data set. The former enables Trey to understand generally what is influencing the models predictions while the latter enables Trey to explain what influenced a particular prediction. The SDK also provides visualizations of the explanations that result that can be use within a notebook. </a:t>
+              <a:rPr lang="en-US" sz="2000" b="1" i="1" dirty="0"/>
+              <a:t>In your solution, how will Trey retrieve previous versions of models and use them for further evaluation or scoring?</a:t>
             </a:r>
           </a:p>
           <a:p>
             <a:pPr marL="0" indent="0">
               <a:buNone/>
             </a:pPr>
-            <a:endParaRPr lang="en-US" sz="1900" b="1" i="1" dirty="0"/>
-          </a:p>
-          <a:p>
-            <a:pPr marL="0" indent="0">
-              <a:buNone/>
-            </a:pPr>
-            <a:r>
-              <a:rPr lang="en-US" sz="1900" b="1" i="1" dirty="0"/>
-              <a:t>Is the approach you suggest limited to working against machine learning models only (e.g., it does not work against deep learning models)?</a:t>
-            </a:r>
-            <a:endParaRPr lang="en-US" sz="1900" dirty="0"/>
-          </a:p>
-          <a:p>
-            <a:pPr marL="0" indent="0">
-              <a:buNone/>
-            </a:pPr>
-            <a:r>
-              <a:rPr lang="en-US" sz="1900" dirty="0"/>
-              <a:t>The approach taken under the covers by Azure Machine Learning Python SDK is effectively black box testing of a model- it takes an input sample, uses the model to make the prediction and evaluates the outcome using a variety of techniques (called explainers). As such it is agnostic to whether the model is machine learning based or deep learning based.</a:t>
-            </a:r>
-            <a:endParaRPr lang="en-US" sz="1900" dirty="0">
+            <a:r>
+              <a:rPr lang="en-US" sz="2000" dirty="0"/>
+              <a:t>They can retrieve previous versions of a model by going to the Azure Machine Learning workspace, Models tab in the Azure Machine Learning studio or by requesting the model from a notebook using the Azure Machine Learning Python SDK.</a:t>
+            </a:r>
+            <a:endParaRPr lang="en-US" sz="4000" dirty="0">
               <a:solidFill>
                 <a:schemeClr val="tx1"/>
               </a:solidFill>
             </a:endParaRPr>
           </a:p>
+          <a:p>
+            <a:pPr marL="0" indent="0">
+              <a:spcAft>
+                <a:spcPts val="882"/>
+              </a:spcAft>
+              <a:buNone/>
+            </a:pPr>
+            <a:endParaRPr lang="en-US" sz="1800" dirty="0">
+              <a:solidFill>
+                <a:schemeClr val="tx1"/>
+              </a:solidFill>
+            </a:endParaRPr>
+          </a:p>
         </p:txBody>
       </p:sp>
     </p:spTree>
     <p:extLst>
       <p:ext uri="{BB962C8B-B14F-4D97-AF65-F5344CB8AC3E}">
-        <p14:creationId xmlns:p14="http://schemas.microsoft.com/office/powerpoint/2010/main" val="3678521169"/>
+        <p14:creationId xmlns:p14="http://schemas.microsoft.com/office/powerpoint/2010/main" val="2081063598"/>
       </p:ext>
     </p:extLst>
   </p:cSld>
@@ -18681,8 +18873,9 @@
                 <a:solidFill>
                   <a:schemeClr val="tx1"/>
                 </a:solidFill>
+                <a:cs typeface="Segoe UI" panose="020B0502040204020203" pitchFamily="34" charset="0"/>
               </a:rPr>
-              <a:t>Preferred solution – model explainability and reproducibility (continued)</a:t>
+              <a:t>Preferred solution – model explainability and reproducibility</a:t>
             </a:r>
             <a:br>
               <a:rPr lang="en-US" dirty="0">
@@ -18713,8 +18906,8 @@
         </p:nvSpPr>
         <p:spPr>
           <a:xfrm>
-            <a:off x="266922" y="1991434"/>
-            <a:ext cx="11653523" cy="4202332"/>
+            <a:off x="266921" y="1677091"/>
+            <a:ext cx="11653523" cy="4956624"/>
           </a:xfrm>
         </p:spPr>
         <p:txBody>
@@ -18727,8 +18920,8 @@
               <a:buNone/>
             </a:pPr>
             <a:r>
-              <a:rPr lang="en-US" sz="2000" b="1" i="1" dirty="0"/>
-              <a:t>Does your approach support explaining models created with automated machine learning?</a:t>
+              <a:rPr lang="en-US" sz="1900" b="1" i="1" dirty="0"/>
+              <a:t>How would you suggest Trey programmatically create explanations of their models? What is the process? Explain how it works to improve the interpretability of the model generally as well as for the results of specific predictions.</a:t>
             </a:r>
           </a:p>
           <a:p>
@@ -18736,40 +18929,61 @@
               <a:buNone/>
             </a:pPr>
             <a:r>
-              <a:rPr lang="en-US" sz="2000" dirty="0"/>
-              <a:t>Yes, in fact the Azure Machine Learning Python SDK provides additional functionality specifically for enabling model interpretability on models created using Azure Machine Learning automated machine learning.</a:t>
+              <a:rPr lang="en-US" sz="1900" dirty="0"/>
+              <a:t>The Azure Machine Learning SDK includes interpretability features that accept a trained model along with training or test data and can return insights on why the model is making its decisions by providing analysis like which features have the greatest impact on the model's predictions. </a:t>
             </a:r>
           </a:p>
           <a:p>
             <a:pPr marL="0" indent="0">
               <a:buNone/>
             </a:pPr>
-            <a:endParaRPr lang="en-US" sz="2000" b="1" i="1" dirty="0"/>
+            <a:endParaRPr lang="en-US" sz="1900" dirty="0"/>
           </a:p>
           <a:p>
             <a:pPr marL="0" indent="0">
               <a:buNone/>
             </a:pPr>
             <a:r>
-              <a:rPr lang="en-US" sz="2000" b="1" i="1" dirty="0"/>
-              <a:t>How do machine learning pipelines help improve the reproducibility of model training and scoring? How could your solution leverage pipelines?</a:t>
+              <a:rPr lang="en-US" sz="1900" dirty="0"/>
+              <a:t>This approach can be performed globally (against the entire data set provided) or against a single sample from the data set. The former enables Trey to understand generally what is influencing the models predictions while the latter enables Trey to explain what influenced a particular prediction. The SDK also provides visualizations of the explanations that result that can be use within a notebook. </a:t>
             </a:r>
           </a:p>
           <a:p>
             <a:pPr marL="0" indent="0">
               <a:buNone/>
             </a:pPr>
-            <a:r>
-              <a:rPr lang="en-US" sz="2000" dirty="0"/>
-              <a:t>Machine learning pipelines encapsulate the steps taken to from input training data, to trained model, as well as to go from input data to scored result. Pipelines package these steps into reusable objects. Azure Machine Learning and the SDK support the creation, registration and execution of pipelines. The use of pipelines does increase the reproducibility of being able to re-create a model or re-execute an inference in a way that helps to guarantee fidelity across all executions. Trey could author Azure Machine Learning pipelines in notebooks using the Azure Machine Learning Python SDK.</a:t>
-            </a:r>
+            <a:endParaRPr lang="en-US" sz="1900" b="1" i="1" dirty="0"/>
+          </a:p>
+          <a:p>
+            <a:pPr marL="0" indent="0">
+              <a:buNone/>
+            </a:pPr>
+            <a:r>
+              <a:rPr lang="en-US" sz="1900" b="1" i="1" dirty="0"/>
+              <a:t>Is the approach you suggest limited to working against machine learning models only (e.g., it does not work against deep learning models)?</a:t>
+            </a:r>
+            <a:endParaRPr lang="en-US" sz="1900" dirty="0"/>
+          </a:p>
+          <a:p>
+            <a:pPr marL="0" indent="0">
+              <a:buNone/>
+            </a:pPr>
+            <a:r>
+              <a:rPr lang="en-US" sz="1900" dirty="0"/>
+              <a:t>The approach taken under the covers by Azure Machine Learning Python SDK is effectively black box testing of a model- it takes an input sample, uses the model to make the prediction and evaluates the outcome using a variety of techniques (called explainers). As such it is agnostic to whether the model is machine learning based or deep learning based.</a:t>
+            </a:r>
+            <a:endParaRPr lang="en-US" sz="1900" dirty="0">
+              <a:solidFill>
+                <a:schemeClr val="tx1"/>
+              </a:solidFill>
+            </a:endParaRPr>
           </a:p>
         </p:txBody>
       </p:sp>
     </p:spTree>
     <p:extLst>
       <p:ext uri="{BB962C8B-B14F-4D97-AF65-F5344CB8AC3E}">
-        <p14:creationId xmlns:p14="http://schemas.microsoft.com/office/powerpoint/2010/main" val="3200515939"/>
+        <p14:creationId xmlns:p14="http://schemas.microsoft.com/office/powerpoint/2010/main" val="3678521169"/>
       </p:ext>
     </p:extLst>
   </p:cSld>
@@ -18826,9 +19040,8 @@
                 <a:solidFill>
                   <a:schemeClr val="tx1"/>
                 </a:solidFill>
-                <a:cs typeface="Segoe UI" panose="020B0502040204020203" pitchFamily="34" charset="0"/>
               </a:rPr>
-              <a:t>Preferred solution – enabling visualization</a:t>
+              <a:t>Preferred solution – model explainability and reproducibility (continued)</a:t>
             </a:r>
             <a:br>
               <a:rPr lang="en-US" dirty="0">
@@ -18859,8 +19072,8 @@
         </p:nvSpPr>
         <p:spPr>
           <a:xfrm>
-            <a:off x="269238" y="1377959"/>
-            <a:ext cx="11653523" cy="5153008"/>
+            <a:off x="266922" y="1991434"/>
+            <a:ext cx="11653523" cy="4202332"/>
           </a:xfrm>
         </p:spPr>
         <p:txBody>
@@ -18874,7 +19087,7 @@
             </a:pPr>
             <a:r>
               <a:rPr lang="en-US" sz="2000" b="1" i="1" dirty="0"/>
-              <a:t>During model training and evaluation, what services and libraries would you recommend that Trey utilize for visualizing the data and performance results?</a:t>
+              <a:t>Does your approach support explaining models created with automated machine learning?</a:t>
             </a:r>
           </a:p>
           <a:p>
@@ -18883,7 +19096,7 @@
             </a:pPr>
             <a:r>
               <a:rPr lang="en-US" sz="2000" dirty="0"/>
-              <a:t>During modeling, Trey should utilize the visualization capabilities of Azure Databricks notebooks, as well as open source visualizations libraries like matplotlib to explore and understand the data and performance results. By doing so within the modeling notebook, they enable rapid iteration and understanding of their data and model without having to switch into a different environment for visualization.</a:t>
+              <a:t>Yes, in fact the Azure Machine Learning Python SDK provides additional functionality specifically for enabling model interpretability on models created using Azure Machine Learning automated machine learning.</a:t>
             </a:r>
           </a:p>
           <a:p>
@@ -18898,7 +19111,7 @@
             </a:pPr>
             <a:r>
               <a:rPr lang="en-US" sz="2000" b="1" i="1" dirty="0"/>
-              <a:t>Would the approach you suggest extend to visualizing the streaming battery data?</a:t>
+              <a:t>How do machine learning pipelines help improve the reproducibility of model training and scoring? How could your solution leverage pipelines?</a:t>
             </a:r>
           </a:p>
           <a:p>
@@ -18907,32 +19120,7 @@
             </a:pPr>
             <a:r>
               <a:rPr lang="en-US" sz="2000" dirty="0"/>
-              <a:t>Trey could continue to use Azure Notebooks to visualize the results of the Spark Structured Streaming queries. </a:t>
-            </a:r>
-          </a:p>
-          <a:p>
-            <a:pPr marL="0" indent="0">
-              <a:buNone/>
-            </a:pPr>
-            <a:endParaRPr lang="en-US" sz="2000" dirty="0"/>
-          </a:p>
-          <a:p>
-            <a:pPr marL="0" indent="0">
-              <a:buNone/>
-            </a:pPr>
-            <a:r>
-              <a:rPr lang="en-US" sz="2000" b="1" i="1" dirty="0"/>
-              <a:t>What should Trey utilize for providing easy to customize visualizations to business analysts and stakeholders? Is it the same or different tool you suggested they use during modeling? </a:t>
-            </a:r>
-            <a:endParaRPr lang="en-US" sz="2000" dirty="0"/>
-          </a:p>
-          <a:p>
-            <a:pPr marL="0" indent="0">
-              <a:buNone/>
-            </a:pPr>
-            <a:r>
-              <a:rPr lang="en-US" sz="2000" dirty="0"/>
-              <a:t>While Trey could create simplified notebooks and even dashboards using Azure Databricks notebooks, its is more likely that business analysts would be more comfortable using Power BI, which is why it is important to ensure the scored results are made available in a service datastore compatible with Power BI like Cosmos DB.</a:t>
+              <a:t>Machine learning pipelines encapsulate the steps taken to from input training data, to trained model, as well as to go from input data to scored result. Pipelines package these steps into reusable objects. Azure Machine Learning and the SDK support the creation, registration and execution of pipelines. The use of pipelines does increase the reproducibility of being able to re-create a model or re-execute an inference in a way that helps to guarantee fidelity across all executions. Trey could author Azure Machine Learning pipelines in notebooks using the Azure Machine Learning Python SDK.</a:t>
             </a:r>
           </a:p>
         </p:txBody>
@@ -18940,7 +19128,7 @@
     </p:spTree>
     <p:extLst>
       <p:ext uri="{BB962C8B-B14F-4D97-AF65-F5344CB8AC3E}">
-        <p14:creationId xmlns:p14="http://schemas.microsoft.com/office/powerpoint/2010/main" val="643022871"/>
+        <p14:creationId xmlns:p14="http://schemas.microsoft.com/office/powerpoint/2010/main" val="3200515939"/>
       </p:ext>
     </p:extLst>
   </p:cSld>
@@ -18999,7 +19187,7 @@
                 </a:solidFill>
                 <a:cs typeface="Segoe UI" panose="020B0502040204020203" pitchFamily="34" charset="0"/>
               </a:rPr>
-              <a:t>Preferred objections handling (1, 2)</a:t>
+              <a:t>Preferred solution – enabling visualization</a:t>
             </a:r>
             <a:br>
               <a:rPr lang="en-US" dirty="0">
@@ -19030,8 +19218,8 @@
         </p:nvSpPr>
         <p:spPr>
           <a:xfrm>
-            <a:off x="269239" y="1189176"/>
-            <a:ext cx="11653523" cy="5258515"/>
+            <a:off x="269238" y="1377959"/>
+            <a:ext cx="11653523" cy="5153008"/>
           </a:xfrm>
         </p:spPr>
         <p:txBody>
@@ -19044,12 +19232,8 @@
               <a:buNone/>
             </a:pPr>
             <a:r>
-              <a:rPr lang="en-US" sz="2000" b="1" i="1" dirty="0">
-                <a:solidFill>
-                  <a:schemeClr val="tx1"/>
-                </a:solidFill>
-              </a:rPr>
-              <a:t>1.  Should we use machine learning or deep learning approaches? </a:t>
+              <a:rPr lang="en-US" sz="2000" b="1" i="1" dirty="0"/>
+              <a:t>During model training and evaluation, what services and libraries would you recommend that Trey utilize for visualizing the data and performance results?</a:t>
             </a:r>
           </a:p>
           <a:p>
@@ -19057,89 +19241,65 @@
               <a:buNone/>
             </a:pPr>
             <a:r>
-              <a:rPr lang="en-US" sz="2000" dirty="0">
-                <a:solidFill>
-                  <a:schemeClr val="tx1"/>
-                </a:solidFill>
-              </a:rPr>
-              <a:t>For Trey's two scenarios, they could actually use either approach. They would likely want to try both approaches and determine which yields the best performance in terms of model training time, inferencing time, and inferencing performance (e.g., accuracy).</a:t>
+              <a:rPr lang="en-US" sz="2000" dirty="0"/>
+              <a:t>During modeling, Trey should utilize the visualization capabilities of Azure Databricks notebooks, as well as open source visualizations libraries like matplotlib to explore and understand the data and performance results. By doing so within the modeling notebook, they enable rapid iteration and understanding of their data and model without having to switch into a different environment for visualization.</a:t>
             </a:r>
           </a:p>
           <a:p>
             <a:pPr marL="0" indent="0">
               <a:buNone/>
             </a:pPr>
-            <a:endParaRPr lang="en-US" sz="2000" dirty="0">
-              <a:solidFill>
-                <a:schemeClr val="tx1"/>
-              </a:solidFill>
-            </a:endParaRPr>
+            <a:endParaRPr lang="en-US" sz="2000" b="1" i="1" dirty="0"/>
           </a:p>
           <a:p>
             <a:pPr marL="0" indent="0">
               <a:buNone/>
             </a:pPr>
             <a:r>
-              <a:rPr lang="en-US" sz="2000" b="1" i="1" dirty="0">
-                <a:solidFill>
-                  <a:schemeClr val="tx1"/>
-                </a:solidFill>
-              </a:rPr>
-              <a:t>2.  How should we choose between Keras and PyTorch for performing deep learning?</a:t>
-            </a:r>
-            <a:endParaRPr lang="en-US" sz="2000" dirty="0">
-              <a:solidFill>
-                <a:schemeClr val="tx1"/>
-              </a:solidFill>
-            </a:endParaRPr>
+              <a:rPr lang="en-US" sz="2000" b="1" i="1" dirty="0"/>
+              <a:t>Would the approach you suggest extend to visualizing the streaming battery data?</a:t>
+            </a:r>
           </a:p>
           <a:p>
             <a:pPr marL="0" indent="0">
               <a:buNone/>
             </a:pPr>
             <a:r>
-              <a:rPr lang="en-US" sz="2000" dirty="0">
-                <a:solidFill>
-                  <a:schemeClr val="tx1"/>
-                </a:solidFill>
-              </a:rPr>
-              <a:t>This is the subject of much discussion in the community, however the guidance for selecting between Keras and PyTorch boils down to: Keras may be easier to start with and easier to build production grade models, while PyTorch has a steeper initial learning, as it is lower level than Keras, but it offers greater flexibility, faster inferencing and improved debuggability in the balance. </a:t>
+              <a:rPr lang="en-US" sz="2000" dirty="0"/>
+              <a:t>Trey could continue to use Azure Notebooks to visualize the results of the Spark Structured Streaming queries. </a:t>
             </a:r>
           </a:p>
           <a:p>
             <a:pPr marL="0" indent="0">
               <a:buNone/>
             </a:pPr>
-            <a:endParaRPr lang="en-US" sz="2000" dirty="0">
-              <a:solidFill>
-                <a:schemeClr val="tx1"/>
-              </a:solidFill>
-            </a:endParaRPr>
+            <a:endParaRPr lang="en-US" sz="2000" dirty="0"/>
           </a:p>
           <a:p>
             <a:pPr marL="0" indent="0">
               <a:buNone/>
             </a:pPr>
             <a:r>
-              <a:rPr lang="en-US" sz="2000" dirty="0">
-                <a:solidFill>
-                  <a:schemeClr val="tx1"/>
-                </a:solidFill>
-              </a:rPr>
-              <a:t>For a comprehensive comparison, see https://deepsense.ai/keras-or-pytorch/.</a:t>
-            </a:r>
-            <a:endParaRPr lang="en-US" sz="1100" dirty="0">
-              <a:solidFill>
-                <a:schemeClr val="tx1"/>
-              </a:solidFill>
-            </a:endParaRPr>
+              <a:rPr lang="en-US" sz="2000" b="1" i="1" dirty="0"/>
+              <a:t>What should Trey utilize for providing easy to customize visualizations to business analysts and stakeholders? Is it the same or different tool you suggested they use during modeling? </a:t>
+            </a:r>
+            <a:endParaRPr lang="en-US" sz="2000" dirty="0"/>
+          </a:p>
+          <a:p>
+            <a:pPr marL="0" indent="0">
+              <a:buNone/>
+            </a:pPr>
+            <a:r>
+              <a:rPr lang="en-US" sz="2000" dirty="0"/>
+              <a:t>While Trey could create simplified notebooks and even dashboards using Azure Databricks notebooks, its is more likely that business analysts would be more comfortable using Power BI, which is why it is important to ensure the scored results are made available in a service datastore compatible with Power BI like Cosmos DB.</a:t>
+            </a:r>
           </a:p>
         </p:txBody>
       </p:sp>
     </p:spTree>
     <p:extLst>
       <p:ext uri="{BB962C8B-B14F-4D97-AF65-F5344CB8AC3E}">
-        <p14:creationId xmlns:p14="http://schemas.microsoft.com/office/powerpoint/2010/main" val="2371438961"/>
+        <p14:creationId xmlns:p14="http://schemas.microsoft.com/office/powerpoint/2010/main" val="643022871"/>
       </p:ext>
     </p:extLst>
   </p:cSld>
@@ -19198,7 +19358,7 @@
                 </a:solidFill>
                 <a:cs typeface="Segoe UI" panose="020B0502040204020203" pitchFamily="34" charset="0"/>
               </a:rPr>
-              <a:t>Preferred objections handling (3)</a:t>
+              <a:t>Preferred objections handling (1, 2)</a:t>
             </a:r>
             <a:br>
               <a:rPr lang="en-US" dirty="0">
@@ -19248,7 +19408,20 @@
                   <a:schemeClr val="tx1"/>
                 </a:solidFill>
               </a:rPr>
-              <a:t>3.  We have heard Azure Machine Learning supports automated machine learning, can we use automated machine learning to create models using deep learning? Can we really expect a non-data scientist to create performant models using these tools? </a:t>
+              <a:t>1.  Should we use machine learning or deep learning approaches? </a:t>
+            </a:r>
+          </a:p>
+          <a:p>
+            <a:pPr marL="0" indent="0">
+              <a:buNone/>
+            </a:pPr>
+            <a:r>
+              <a:rPr lang="en-US" sz="2000" dirty="0">
+                <a:solidFill>
+                  <a:schemeClr val="tx1"/>
+                </a:solidFill>
+              </a:rPr>
+              <a:t>For Trey's two scenarios, they could actually use either approach. They would likely want to try both approaches and determine which yields the best performance in terms of model training time, inferencing time, and inferencing performance (e.g., accuracy).</a:t>
             </a:r>
           </a:p>
           <a:p>
@@ -19265,6 +19438,14 @@
             <a:pPr marL="0" indent="0">
               <a:buNone/>
             </a:pPr>
+            <a:r>
+              <a:rPr lang="en-US" sz="2000" b="1" i="1" dirty="0">
+                <a:solidFill>
+                  <a:schemeClr val="tx1"/>
+                </a:solidFill>
+              </a:rPr>
+              <a:t>2.  How should we choose between Keras and PyTorch for performing deep learning?</a:t>
+            </a:r>
             <a:endParaRPr lang="en-US" sz="2000" dirty="0">
               <a:solidFill>
                 <a:schemeClr val="tx1"/>
@@ -19281,7 +19462,7 @@
                   <a:schemeClr val="tx1"/>
                 </a:solidFill>
               </a:rPr>
-              <a:t>Automated machine learning in Azure Machine Learning helps to simplify and expedite the process of producing a performant model. It does this by trying many combinations of best practice data preparation (automated pre-processing and featurization), algorithm selection and algorithm parameters (hyper-parameter tuning) while asking the user only for some relatively simple configuration information (such as the type of prediction problem, the input training data set, the feature to predict and the compute resources on which to experiment) to perform the job. </a:t>
+              <a:t>This is the subject of much discussion in the community, however the guidance for selecting between Keras and PyTorch boils down to: Keras may be easier to start with and easier to build production grade models, while PyTorch has a steeper initial learning, as it is lower level than Keras, but it offers greater flexibility, faster inferencing and improved debuggability in the balance. </a:t>
             </a:r>
           </a:p>
           <a:p>
@@ -19304,7 +19485,7 @@
                   <a:schemeClr val="tx1"/>
                 </a:solidFill>
               </a:rPr>
-              <a:t>Azure Machine Learning provides access to the automated machine learning capabilities via a Python SDK and via visual interface in the Azure Machine Learning studio. The latter user experience can simplify the setup enough such that a non-data scientist who has an understanding of the fundamentals of training a model can use it to create a model.</a:t>
+              <a:t>For a comprehensive comparison, see https://deepsense.ai/keras-or-pytorch/.</a:t>
             </a:r>
             <a:endParaRPr lang="en-US" sz="1100" dirty="0">
               <a:solidFill>
@@ -19317,7 +19498,7 @@
     </p:spTree>
     <p:extLst>
       <p:ext uri="{BB962C8B-B14F-4D97-AF65-F5344CB8AC3E}">
-        <p14:creationId xmlns:p14="http://schemas.microsoft.com/office/powerpoint/2010/main" val="275272881"/>
+        <p14:creationId xmlns:p14="http://schemas.microsoft.com/office/powerpoint/2010/main" val="2371438961"/>
       </p:ext>
     </p:extLst>
   </p:cSld>
@@ -19362,12 +19543,7 @@
             <p:ph type="title"/>
           </p:nvPr>
         </p:nvSpPr>
-        <p:spPr>
-          <a:xfrm>
-            <a:off x="269240" y="289511"/>
-            <a:ext cx="11655840" cy="800735"/>
-          </a:xfrm>
-        </p:spPr>
+        <p:spPr/>
         <p:txBody>
           <a:bodyPr>
             <a:normAutofit fontScale="90000"/>
@@ -19381,7 +19557,7 @@
                 </a:solidFill>
                 <a:cs typeface="Segoe UI" panose="020B0502040204020203" pitchFamily="34" charset="0"/>
               </a:rPr>
-              <a:t>Preferred objections handling (4)</a:t>
+              <a:t>Preferred objections handling (3)</a:t>
             </a:r>
             <a:br>
               <a:rPr lang="en-US" dirty="0">
@@ -19431,7 +19607,7 @@
                   <a:schemeClr val="tx1"/>
                 </a:solidFill>
               </a:rPr>
-              <a:t>4.  Some of our team has worked with Azure Databricks, and they are confused by the overlap with Azure Machine Learning. How should we be thinking about when to use which? </a:t>
+              <a:t>3.  We have heard Azure Machine Learning supports automated machine learning, can we use automated machine learning to create models using deep learning? Can we really expect a non-data scientist to create performant models using these tools? </a:t>
             </a:r>
           </a:p>
           <a:p>
@@ -19448,13 +19624,46 @@
             <a:pPr marL="0" indent="0">
               <a:buNone/>
             </a:pPr>
+            <a:endParaRPr lang="en-US" sz="2000" dirty="0">
+              <a:solidFill>
+                <a:schemeClr val="tx1"/>
+              </a:solidFill>
+            </a:endParaRPr>
+          </a:p>
+          <a:p>
+            <a:pPr marL="0" indent="0">
+              <a:buNone/>
+            </a:pPr>
             <a:r>
               <a:rPr lang="en-US" sz="2000" dirty="0">
                 <a:solidFill>
                   <a:schemeClr val="tx1"/>
                 </a:solidFill>
               </a:rPr>
-              <a:t>Consider using both. The best way to think about the relationship between Azure Databricks and Azure Machine Learning is that Azure Databricks provides the tools for data engineers and data scientists to author their data and machine learning pipelines as well as the compute that powers these, and Azure Machine Learning provides the platform that formalizes the modeling process by capturing data about training runs, versioning pipelines and models and assisting with the deployment of models as web services.</a:t>
+              <a:t>Automated machine learning in Azure Machine Learning helps to simplify and expedite the process of producing a performant model. It does this by trying many combinations of best practice data preparation (automated pre-processing and featurization), algorithm selection and algorithm parameters (hyper-parameter tuning) while asking the user only for some relatively simple configuration information (such as the type of prediction problem, the input training data set, the feature to predict and the compute resources on which to experiment) to perform the job. </a:t>
+            </a:r>
+          </a:p>
+          <a:p>
+            <a:pPr marL="0" indent="0">
+              <a:buNone/>
+            </a:pPr>
+            <a:endParaRPr lang="en-US" sz="2000" dirty="0">
+              <a:solidFill>
+                <a:schemeClr val="tx1"/>
+              </a:solidFill>
+            </a:endParaRPr>
+          </a:p>
+          <a:p>
+            <a:pPr marL="0" indent="0">
+              <a:buNone/>
+            </a:pPr>
+            <a:r>
+              <a:rPr lang="en-US" sz="2000" dirty="0">
+                <a:solidFill>
+                  <a:schemeClr val="tx1"/>
+                </a:solidFill>
+              </a:rPr>
+              <a:t>Azure Machine Learning provides access to the automated machine learning capabilities via a Python SDK and via visual interface in the Azure Machine Learning studio. The latter user experience can simplify the setup enough such that a non-data scientist who has an understanding of the fundamentals of training a model can use it to create a model.</a:t>
             </a:r>
             <a:endParaRPr lang="en-US" sz="1100" dirty="0">
               <a:solidFill>
@@ -19467,7 +19676,7 @@
     </p:spTree>
     <p:extLst>
       <p:ext uri="{BB962C8B-B14F-4D97-AF65-F5344CB8AC3E}">
-        <p14:creationId xmlns:p14="http://schemas.microsoft.com/office/powerpoint/2010/main" val="1500641738"/>
+        <p14:creationId xmlns:p14="http://schemas.microsoft.com/office/powerpoint/2010/main" val="275272881"/>
       </p:ext>
     </p:extLst>
   </p:cSld>
@@ -19694,6 +19903,542 @@
             <p:ph type="title"/>
           </p:nvPr>
         </p:nvSpPr>
+        <p:spPr>
+          <a:xfrm>
+            <a:off x="269240" y="289511"/>
+            <a:ext cx="11655840" cy="800735"/>
+          </a:xfrm>
+        </p:spPr>
+        <p:txBody>
+          <a:bodyPr>
+            <a:normAutofit fontScale="90000"/>
+          </a:bodyPr>
+          <a:lstStyle/>
+          <a:p>
+            <a:r>
+              <a:rPr lang="en-US" sz="4900" dirty="0">
+                <a:solidFill>
+                  <a:schemeClr val="tx1"/>
+                </a:solidFill>
+                <a:cs typeface="Segoe UI" panose="020B0502040204020203" pitchFamily="34" charset="0"/>
+              </a:rPr>
+              <a:t>Preferred objections handling (4)</a:t>
+            </a:r>
+            <a:br>
+              <a:rPr lang="en-US" dirty="0">
+                <a:solidFill>
+                  <a:schemeClr val="tx1"/>
+                </a:solidFill>
+                <a:latin typeface="Segoe UI" panose="020B0502040204020203" pitchFamily="34" charset="0"/>
+              </a:rPr>
+            </a:br>
+            <a:endParaRPr lang="en-US" sz="3236" dirty="0">
+              <a:solidFill>
+                <a:schemeClr val="tx1"/>
+              </a:solidFill>
+              <a:latin typeface="Segoe UI" panose="020B0502040204020203" pitchFamily="34" charset="0"/>
+            </a:endParaRPr>
+          </a:p>
+        </p:txBody>
+      </p:sp>
+      <p:sp>
+        <p:nvSpPr>
+          <p:cNvPr id="3" name="Content Placeholder 2"/>
+          <p:cNvSpPr>
+            <a:spLocks noGrp="1"/>
+          </p:cNvSpPr>
+          <p:nvPr>
+            <p:ph type="body" sz="quarter" idx="10"/>
+          </p:nvPr>
+        </p:nvSpPr>
+        <p:spPr>
+          <a:xfrm>
+            <a:off x="269239" y="1189176"/>
+            <a:ext cx="11653523" cy="5258515"/>
+          </a:xfrm>
+        </p:spPr>
+        <p:txBody>
+          <a:bodyPr>
+            <a:noAutofit/>
+          </a:bodyPr>
+          <a:lstStyle/>
+          <a:p>
+            <a:pPr marL="0" indent="0">
+              <a:buNone/>
+            </a:pPr>
+            <a:r>
+              <a:rPr lang="en-US" sz="2000" b="1" i="1" dirty="0">
+                <a:solidFill>
+                  <a:schemeClr val="tx1"/>
+                </a:solidFill>
+              </a:rPr>
+              <a:t>4.  Some of our team has worked with Azure Databricks, and they are confused by the overlap with Azure Machine Learning. How should we be thinking about when to use which? </a:t>
+            </a:r>
+          </a:p>
+          <a:p>
+            <a:pPr marL="0" indent="0">
+              <a:buNone/>
+            </a:pPr>
+            <a:endParaRPr lang="en-US" sz="2000" dirty="0">
+              <a:solidFill>
+                <a:schemeClr val="tx1"/>
+              </a:solidFill>
+            </a:endParaRPr>
+          </a:p>
+          <a:p>
+            <a:pPr marL="0" indent="0">
+              <a:buNone/>
+            </a:pPr>
+            <a:r>
+              <a:rPr lang="en-US" sz="2000" dirty="0">
+                <a:solidFill>
+                  <a:schemeClr val="tx1"/>
+                </a:solidFill>
+              </a:rPr>
+              <a:t>Consider using both. The best way to think about the relationship between Azure Databricks and Azure Machine Learning is that Azure Databricks provides the tools for data engineers and data scientists to author their data and machine learning pipelines as well as the compute that powers these, and Azure Machine Learning provides the platform that formalizes the modeling process by capturing data about training runs, versioning pipelines and models and assisting with the deployment of models as web services.</a:t>
+            </a:r>
+          </a:p>
+          <a:p>
+            <a:pPr marL="0" indent="0">
+              <a:buNone/>
+            </a:pPr>
+            <a:endParaRPr lang="en-US" sz="2000" dirty="0">
+              <a:solidFill>
+                <a:schemeClr val="tx1"/>
+              </a:solidFill>
+            </a:endParaRPr>
+          </a:p>
+        </p:txBody>
+      </p:sp>
+    </p:spTree>
+    <p:extLst>
+      <p:ext uri="{BB962C8B-B14F-4D97-AF65-F5344CB8AC3E}">
+        <p14:creationId xmlns:p14="http://schemas.microsoft.com/office/powerpoint/2010/main" val="1500641738"/>
+      </p:ext>
+    </p:extLst>
+  </p:cSld>
+  <p:clrMapOvr>
+    <a:masterClrMapping/>
+  </p:clrMapOvr>
+  <mc:AlternateContent xmlns:mc="http://schemas.openxmlformats.org/markup-compatibility/2006" xmlns:p14="http://schemas.microsoft.com/office/powerpoint/2010/main">
+    <mc:Choice Requires="p14">
+      <p:transition p14:dur="0"/>
+    </mc:Choice>
+    <mc:Fallback xmlns="">
+      <p:transition/>
+    </mc:Fallback>
+  </mc:AlternateContent>
+</p:sld>
+</file>
+
+<file path=ppt/slides/slide31.xml><?xml version="1.0" encoding="utf-8"?>
+<p:sld xmlns:a="http://schemas.openxmlformats.org/drawingml/2006/main" xmlns:r="http://schemas.openxmlformats.org/officeDocument/2006/relationships" xmlns:p="http://schemas.openxmlformats.org/presentationml/2006/main">
+  <p:cSld>
+    <p:spTree>
+      <p:nvGrpSpPr>
+        <p:cNvPr id="1" name=""/>
+        <p:cNvGrpSpPr/>
+        <p:nvPr/>
+      </p:nvGrpSpPr>
+      <p:grpSpPr>
+        <a:xfrm>
+          <a:off x="0" y="0"/>
+          <a:ext cx="0" cy="0"/>
+          <a:chOff x="0" y="0"/>
+          <a:chExt cx="0" cy="0"/>
+        </a:xfrm>
+      </p:grpSpPr>
+      <p:sp>
+        <p:nvSpPr>
+          <p:cNvPr id="2" name="Title 1"/>
+          <p:cNvSpPr>
+            <a:spLocks noGrp="1"/>
+          </p:cNvSpPr>
+          <p:nvPr>
+            <p:ph type="title"/>
+          </p:nvPr>
+        </p:nvSpPr>
+        <p:spPr>
+          <a:xfrm>
+            <a:off x="269240" y="289511"/>
+            <a:ext cx="11655840" cy="800735"/>
+          </a:xfrm>
+        </p:spPr>
+        <p:txBody>
+          <a:bodyPr>
+            <a:normAutofit fontScale="90000"/>
+          </a:bodyPr>
+          <a:lstStyle/>
+          <a:p>
+            <a:r>
+              <a:rPr lang="en-US" sz="4900" dirty="0">
+                <a:solidFill>
+                  <a:schemeClr val="tx1"/>
+                </a:solidFill>
+                <a:cs typeface="Segoe UI" panose="020B0502040204020203" pitchFamily="34" charset="0"/>
+              </a:rPr>
+              <a:t>Preferred objections handling (5)</a:t>
+            </a:r>
+            <a:br>
+              <a:rPr lang="en-US" dirty="0">
+                <a:solidFill>
+                  <a:schemeClr val="tx1"/>
+                </a:solidFill>
+                <a:latin typeface="Segoe UI" panose="020B0502040204020203" pitchFamily="34" charset="0"/>
+              </a:rPr>
+            </a:br>
+            <a:endParaRPr lang="en-US" sz="3236" dirty="0">
+              <a:solidFill>
+                <a:schemeClr val="tx1"/>
+              </a:solidFill>
+              <a:latin typeface="Segoe UI" panose="020B0502040204020203" pitchFamily="34" charset="0"/>
+            </a:endParaRPr>
+          </a:p>
+        </p:txBody>
+      </p:sp>
+      <p:sp>
+        <p:nvSpPr>
+          <p:cNvPr id="3" name="Content Placeholder 2"/>
+          <p:cNvSpPr>
+            <a:spLocks noGrp="1"/>
+          </p:cNvSpPr>
+          <p:nvPr>
+            <p:ph type="body" sz="quarter" idx="10"/>
+          </p:nvPr>
+        </p:nvSpPr>
+        <p:spPr>
+          <a:xfrm>
+            <a:off x="269239" y="1189176"/>
+            <a:ext cx="11653523" cy="5258515"/>
+          </a:xfrm>
+        </p:spPr>
+        <p:txBody>
+          <a:bodyPr>
+            <a:noAutofit/>
+          </a:bodyPr>
+          <a:lstStyle/>
+          <a:p>
+            <a:pPr marL="0" indent="0">
+              <a:buNone/>
+            </a:pPr>
+            <a:r>
+              <a:rPr lang="en-US" sz="1500" b="1" i="1" dirty="0">
+                <a:solidFill>
+                  <a:schemeClr val="tx1"/>
+                </a:solidFill>
+              </a:rPr>
+              <a:t>5. We have heard a lot about how complicated and opaque trained deep learning models are. How is it even possible to attempt to explain them?</a:t>
+            </a:r>
+          </a:p>
+          <a:p>
+            <a:pPr marL="0" indent="0">
+              <a:buNone/>
+            </a:pPr>
+            <a:endParaRPr lang="en-US" sz="1500" dirty="0">
+              <a:solidFill>
+                <a:schemeClr val="tx1"/>
+              </a:solidFill>
+            </a:endParaRPr>
+          </a:p>
+          <a:p>
+            <a:pPr marL="0" indent="0">
+              <a:buNone/>
+            </a:pPr>
+            <a:r>
+              <a:rPr lang="en-US" sz="1500" dirty="0">
+                <a:solidFill>
+                  <a:schemeClr val="tx1"/>
+                </a:solidFill>
+              </a:rPr>
+              <a:t>The approach taken under the covers by Azure Machine Learning Python SDK is effectively black box testing of a model- it takes an input sample, uses the model to make the prediction and evaluates the outcome using a variety of techniques (called explainers). As such it is agnostic to whether the model is machine learning based or deep learning based. An example of such an explainer is the Mimic Explainer (also called a Global Surrogate). The Mimic Explainer is based on the idea of training global surrogate models (https://christophm.github.io/interpretable-ml-book/global.html) to mimic </a:t>
+            </a:r>
+            <a:r>
+              <a:rPr lang="en-US" sz="1500" dirty="0" err="1">
+                <a:solidFill>
+                  <a:schemeClr val="tx1"/>
+                </a:solidFill>
+              </a:rPr>
+              <a:t>blackbox</a:t>
+            </a:r>
+            <a:r>
+              <a:rPr lang="en-US" sz="1500" dirty="0">
+                <a:solidFill>
+                  <a:schemeClr val="tx1"/>
+                </a:solidFill>
+              </a:rPr>
+              <a:t> models. A global surrogate model is an intrinsically interpretable model that is trained to approximate the predictions of any black box model as accurately as possible. Data scientists can interpret the surrogate model to draw conclusions about the black box model. You can use one of the following interpretable models as your surrogate model: </a:t>
+            </a:r>
+            <a:r>
+              <a:rPr lang="en-US" sz="1500" dirty="0" err="1">
+                <a:solidFill>
+                  <a:schemeClr val="tx1"/>
+                </a:solidFill>
+              </a:rPr>
+              <a:t>LightGBM</a:t>
+            </a:r>
+            <a:r>
+              <a:rPr lang="en-US" sz="1500" dirty="0">
+                <a:solidFill>
+                  <a:schemeClr val="tx1"/>
+                </a:solidFill>
+              </a:rPr>
+              <a:t> (</a:t>
+            </a:r>
+            <a:r>
+              <a:rPr lang="en-US" sz="1500" dirty="0" err="1">
+                <a:solidFill>
+                  <a:schemeClr val="tx1"/>
+                </a:solidFill>
+              </a:rPr>
+              <a:t>LGBMExplainableModel</a:t>
+            </a:r>
+            <a:r>
+              <a:rPr lang="en-US" sz="1500" dirty="0">
+                <a:solidFill>
+                  <a:schemeClr val="tx1"/>
+                </a:solidFill>
+              </a:rPr>
+              <a:t>), Linear Regression (</a:t>
+            </a:r>
+            <a:r>
+              <a:rPr lang="en-US" sz="1500" dirty="0" err="1">
+                <a:solidFill>
+                  <a:schemeClr val="tx1"/>
+                </a:solidFill>
+              </a:rPr>
+              <a:t>LinearExplainableModel</a:t>
+            </a:r>
+            <a:r>
+              <a:rPr lang="en-US" sz="1500" dirty="0">
+                <a:solidFill>
+                  <a:schemeClr val="tx1"/>
+                </a:solidFill>
+              </a:rPr>
+              <a:t>), Stochastic Gradient Descent explainable model (</a:t>
+            </a:r>
+            <a:r>
+              <a:rPr lang="en-US" sz="1500" dirty="0" err="1">
+                <a:solidFill>
+                  <a:schemeClr val="tx1"/>
+                </a:solidFill>
+              </a:rPr>
+              <a:t>SGDExplainableModel</a:t>
+            </a:r>
+            <a:r>
+              <a:rPr lang="en-US" sz="1500" dirty="0">
+                <a:solidFill>
+                  <a:schemeClr val="tx1"/>
+                </a:solidFill>
+              </a:rPr>
+              <a:t>), and Decision Tree (</a:t>
+            </a:r>
+            <a:r>
+              <a:rPr lang="en-US" sz="1500" dirty="0" err="1">
+                <a:solidFill>
+                  <a:schemeClr val="tx1"/>
+                </a:solidFill>
+              </a:rPr>
+              <a:t>DecisionTreeExplainableModel</a:t>
+            </a:r>
+            <a:r>
+              <a:rPr lang="en-US" sz="1500" dirty="0">
+                <a:solidFill>
+                  <a:schemeClr val="tx1"/>
+                </a:solidFill>
+              </a:rPr>
+              <a:t>).</a:t>
+            </a:r>
+          </a:p>
+          <a:p>
+            <a:pPr marL="0" indent="0">
+              <a:buNone/>
+            </a:pPr>
+            <a:endParaRPr lang="en-US" sz="1500" dirty="0">
+              <a:solidFill>
+                <a:schemeClr val="tx1"/>
+              </a:solidFill>
+            </a:endParaRPr>
+          </a:p>
+          <a:p>
+            <a:pPr marL="0" indent="0">
+              <a:buNone/>
+            </a:pPr>
+            <a:r>
+              <a:rPr lang="en-US" sz="1500" dirty="0">
+                <a:solidFill>
+                  <a:schemeClr val="tx1"/>
+                </a:solidFill>
+              </a:rPr>
+              <a:t>Using the classes and methods in the SDK, you can:</a:t>
+            </a:r>
+          </a:p>
+          <a:p>
+            <a:pPr marL="0" indent="0">
+              <a:buNone/>
+            </a:pPr>
+            <a:endParaRPr lang="en-US" sz="1500" dirty="0">
+              <a:solidFill>
+                <a:schemeClr val="tx1"/>
+              </a:solidFill>
+            </a:endParaRPr>
+          </a:p>
+          <a:p>
+            <a:pPr marL="0" indent="0">
+              <a:buNone/>
+            </a:pPr>
+            <a:r>
+              <a:rPr lang="en-US" sz="1500" dirty="0">
+                <a:solidFill>
+                  <a:schemeClr val="tx1"/>
+                </a:solidFill>
+              </a:rPr>
+              <a:t>Explain model prediction by generating feature importance values for the entire model and/or individual datapoints.</a:t>
+            </a:r>
+          </a:p>
+          <a:p>
+            <a:pPr marL="0" indent="0">
+              <a:buNone/>
+            </a:pPr>
+            <a:r>
+              <a:rPr lang="en-US" sz="1500" dirty="0">
+                <a:solidFill>
+                  <a:schemeClr val="tx1"/>
+                </a:solidFill>
+              </a:rPr>
+              <a:t>Achieve model interpretability on real-world datasets at scale, during training and inference.</a:t>
+            </a:r>
+          </a:p>
+          <a:p>
+            <a:pPr marL="0" indent="0">
+              <a:buNone/>
+            </a:pPr>
+            <a:r>
+              <a:rPr lang="en-US" sz="1500" dirty="0">
+                <a:solidFill>
+                  <a:schemeClr val="tx1"/>
+                </a:solidFill>
+              </a:rPr>
+              <a:t>Use an interactive visualization dashboard to discover patterns in data and explanations at training time</a:t>
+            </a:r>
+          </a:p>
+          <a:p>
+            <a:pPr marL="0" indent="0">
+              <a:buNone/>
+            </a:pPr>
+            <a:r>
+              <a:rPr lang="en-US" sz="1500" dirty="0">
+                <a:solidFill>
+                  <a:schemeClr val="tx1"/>
+                </a:solidFill>
+              </a:rPr>
+              <a:t>The </a:t>
+            </a:r>
+            <a:r>
+              <a:rPr lang="en-US" sz="1500" dirty="0" err="1">
+                <a:solidFill>
+                  <a:schemeClr val="tx1"/>
+                </a:solidFill>
+              </a:rPr>
+              <a:t>azureml</a:t>
+            </a:r>
+            <a:r>
+              <a:rPr lang="en-US" sz="1500" dirty="0">
+                <a:solidFill>
+                  <a:schemeClr val="tx1"/>
+                </a:solidFill>
+              </a:rPr>
+              <a:t>-interpret SDK module uses the interpretability techniques developed in Interpret-Community, an open source python package for training interpretable models and helping to explain </a:t>
+            </a:r>
+            <a:r>
+              <a:rPr lang="en-US" sz="1500" dirty="0" err="1">
+                <a:solidFill>
+                  <a:schemeClr val="tx1"/>
+                </a:solidFill>
+              </a:rPr>
+              <a:t>blackbox</a:t>
+            </a:r>
+            <a:r>
+              <a:rPr lang="en-US" sz="1500" dirty="0">
+                <a:solidFill>
+                  <a:schemeClr val="tx1"/>
+                </a:solidFill>
+              </a:rPr>
+              <a:t> AI systems.</a:t>
+            </a:r>
+          </a:p>
+          <a:p>
+            <a:pPr marL="0" indent="0">
+              <a:buNone/>
+            </a:pPr>
+            <a:endParaRPr lang="en-US" sz="1500" dirty="0">
+              <a:solidFill>
+                <a:schemeClr val="tx1"/>
+              </a:solidFill>
+            </a:endParaRPr>
+          </a:p>
+          <a:p>
+            <a:pPr marL="0" indent="0">
+              <a:buNone/>
+            </a:pPr>
+            <a:r>
+              <a:rPr lang="en-US" sz="1500" dirty="0">
+                <a:solidFill>
+                  <a:schemeClr val="tx1"/>
+                </a:solidFill>
+              </a:rPr>
+              <a:t>For a detailed introduction, see Model interpretability in Azure Machine Learning (https://docs.microsoft.com/en-us/azure/machine-learning/how-to-machine-learning-interpretability).</a:t>
+            </a:r>
+          </a:p>
+        </p:txBody>
+      </p:sp>
+    </p:spTree>
+    <p:extLst>
+      <p:ext uri="{BB962C8B-B14F-4D97-AF65-F5344CB8AC3E}">
+        <p14:creationId xmlns:p14="http://schemas.microsoft.com/office/powerpoint/2010/main" val="2981866605"/>
+      </p:ext>
+    </p:extLst>
+  </p:cSld>
+  <p:clrMapOvr>
+    <a:masterClrMapping/>
+  </p:clrMapOvr>
+  <mc:AlternateContent xmlns:mc="http://schemas.openxmlformats.org/markup-compatibility/2006" xmlns:p14="http://schemas.microsoft.com/office/powerpoint/2010/main">
+    <mc:Choice Requires="p14">
+      <p:transition p14:dur="0"/>
+    </mc:Choice>
+    <mc:Fallback xmlns="">
+      <p:transition/>
+    </mc:Fallback>
+  </mc:AlternateContent>
+</p:sld>
+</file>
+
+<file path=ppt/slides/slide32.xml><?xml version="1.0" encoding="utf-8"?>
+<p:sld xmlns:a="http://schemas.openxmlformats.org/drawingml/2006/main" xmlns:r="http://schemas.openxmlformats.org/officeDocument/2006/relationships" xmlns:p="http://schemas.openxmlformats.org/presentationml/2006/main">
+  <p:cSld>
+    <p:spTree>
+      <p:nvGrpSpPr>
+        <p:cNvPr id="1" name=""/>
+        <p:cNvGrpSpPr/>
+        <p:nvPr/>
+      </p:nvGrpSpPr>
+      <p:grpSpPr>
+        <a:xfrm>
+          <a:off x="0" y="0"/>
+          <a:ext cx="0" cy="0"/>
+          <a:chOff x="0" y="0"/>
+          <a:chExt cx="0" cy="0"/>
+        </a:xfrm>
+      </p:grpSpPr>
+      <p:sp>
+        <p:nvSpPr>
+          <p:cNvPr id="2" name="Title 1"/>
+          <p:cNvSpPr>
+            <a:spLocks noGrp="1"/>
+          </p:cNvSpPr>
+          <p:nvPr>
+            <p:ph type="title"/>
+          </p:nvPr>
+        </p:nvSpPr>
         <p:spPr/>
         <p:txBody>
           <a:bodyPr>
@@ -19823,7 +20568,7 @@
 </p:sld>
 </file>
 
-<file path=ppt/slides/slide31.xml><?xml version="1.0" encoding="utf-8"?>
+<file path=ppt/slides/slide33.xml><?xml version="1.0" encoding="utf-8"?>
 <p:sld xmlns:a="http://schemas.openxmlformats.org/drawingml/2006/main" xmlns:r="http://schemas.openxmlformats.org/officeDocument/2006/relationships" xmlns:p="http://schemas.openxmlformats.org/presentationml/2006/main">
   <p:cSld>
     <p:bg>
@@ -20192,45 +20937,39 @@
         </p:spPr>
         <p:txBody>
           <a:bodyPr>
-            <a:normAutofit/>
+            <a:normAutofit lnSpcReduction="10000"/>
           </a:bodyPr>
           <a:lstStyle/>
           <a:p>
-            <a:r>
-              <a:rPr lang="en-US" dirty="0"/>
-              <a:t>For their PoC, they would like to focus on two maintenance related scenarios.</a:t>
-            </a:r>
-          </a:p>
-          <a:p>
             <a:pPr lvl="1"/>
             <a:r>
-              <a:rPr lang="en-US" dirty="0"/>
+              <a:rPr lang="en-US" sz="2800" dirty="0"/>
               <a:t>Trey Research recently instituted new regulations defining what parts are compliant or out of compliance. Rather than rely on their technicians to assess compliance, they would like to automatically assess the compliance based on component notes already entered by authorized technicians. </a:t>
             </a:r>
           </a:p>
           <a:p>
             <a:pPr lvl="1"/>
             <a:r>
-              <a:rPr lang="en-US" dirty="0"/>
-              <a:t>Trey Research would like to predict the likelihood of battery failure based on the telemetry stream of time series data that the car provides about how the battery performs when the car is started, how it is charging while running and how well it is holding its charge, among other factors. If they detect a battery failure is imminent within the next 30 days, they would like to send an alert.</a:t>
+              <a:rPr lang="en-US" sz="2800" dirty="0"/>
+              <a:t>Trey Research would like to predict the likelihood of battery failure based on the time series-based telemetry data that the car provides. The data contains details about how the battery performs when the vehicle is started, how it is charging while running, and how well it is holding its charge, among other factors. If they detect a battery failure is imminent within the next 30 days, they would like to send an alert. There are, however, concerns about the quality of the battery telemetry data, so Trey Research would like to be sure that, before being fed into the Machine Learning process, data is properly cleansed and prepared.</a:t>
             </a:r>
           </a:p>
           <a:p>
             <a:pPr lvl="1"/>
-            <a:endParaRPr lang="en-US" dirty="0"/>
-          </a:p>
-          <a:p>
-            <a:endParaRPr lang="en-US" dirty="0"/>
-          </a:p>
-          <a:p>
-            <a:endParaRPr lang="en-US" sz="3600" dirty="0">
+            <a:endParaRPr lang="en-US" sz="2800" dirty="0"/>
+          </a:p>
+          <a:p>
+            <a:endParaRPr lang="en-US" sz="4400" dirty="0"/>
+          </a:p>
+          <a:p>
+            <a:endParaRPr lang="en-US" sz="4400" dirty="0">
               <a:solidFill>
                 <a:schemeClr val="tx1"/>
               </a:solidFill>
             </a:endParaRPr>
           </a:p>
           <a:p>
-            <a:endParaRPr lang="en-US" sz="3600" dirty="0">
+            <a:endParaRPr lang="en-US" sz="4400" dirty="0">
               <a:solidFill>
                 <a:schemeClr val="tx1"/>
               </a:solidFill>
@@ -20243,7 +20982,7 @@
               </a:spcAft>
               <a:buNone/>
             </a:pPr>
-            <a:endParaRPr lang="en-US" sz="1800" dirty="0">
+            <a:endParaRPr lang="en-US" sz="2400" dirty="0">
               <a:solidFill>
                 <a:schemeClr val="tx1"/>
               </a:solidFill>
@@ -20811,7 +21550,27 @@
                   <a:schemeClr val="tx1"/>
                 </a:solidFill>
               </a:rPr>
-              <a:t>Some of our team has worked with Azure Databricks, and they are confused by the overlap with Azure Machine Learning. How should we be thinking about when to use which? </a:t>
+              <a:t>Some of our team has worked with Azure Databricks, and they are confused by the overlap with Azure Machine Learning. How should we be thinking about when to use which?</a:t>
+            </a:r>
+          </a:p>
+          <a:p>
+            <a:pPr marL="0" indent="0">
+              <a:buNone/>
+            </a:pPr>
+            <a:endParaRPr lang="en-US" sz="2400" dirty="0">
+              <a:solidFill>
+                <a:schemeClr val="tx1"/>
+              </a:solidFill>
+            </a:endParaRPr>
+          </a:p>
+          <a:p>
+            <a:r>
+              <a:rPr lang="en-US" sz="2400" dirty="0">
+                <a:solidFill>
+                  <a:schemeClr val="tx1"/>
+                </a:solidFill>
+              </a:rPr>
+              <a:t> We have heard a lot about how complicated and opaque trained deep learning models are. How is it even possible to attempt to explain them?</a:t>
             </a:r>
           </a:p>
         </p:txBody>
@@ -21905,21 +22664,21 @@
 </file>
 
 <file path=customXml/item2.xml><?xml version="1.0" encoding="utf-8"?>
+<p:properties xmlns:p="http://schemas.microsoft.com/office/2006/metadata/properties" xmlns:xsi="http://www.w3.org/2001/XMLSchema-instance" xmlns:pc="http://schemas.microsoft.com/office/infopath/2007/PartnerControls">
+  <documentManagement>
+    <_ip_UnifiedCompliancePolicyUIAction xmlns="http://schemas.microsoft.com/sharepoint/v3" xsi:nil="true"/>
+    <_ip_UnifiedCompliancePolicyProperties xmlns="http://schemas.microsoft.com/sharepoint/v3" xsi:nil="true"/>
+  </documentManagement>
+</p:properties>
+</file>
+
+<file path=customXml/item3.xml><?xml version="1.0" encoding="utf-8"?>
 <?mso-contentType ?>
 <FormTemplates xmlns="http://schemas.microsoft.com/sharepoint/v3/contenttype/forms">
   <Display>DocumentLibraryForm</Display>
   <Edit>DocumentLibraryForm</Edit>
   <New>DocumentLibraryForm</New>
 </FormTemplates>
-</file>
-
-<file path=customXml/item3.xml><?xml version="1.0" encoding="utf-8"?>
-<p:properties xmlns:p="http://schemas.microsoft.com/office/2006/metadata/properties" xmlns:xsi="http://www.w3.org/2001/XMLSchema-instance" xmlns:pc="http://schemas.microsoft.com/office/infopath/2007/PartnerControls">
-  <documentManagement>
-    <_ip_UnifiedCompliancePolicyUIAction xmlns="http://schemas.microsoft.com/sharepoint/v3" xsi:nil="true"/>
-    <_ip_UnifiedCompliancePolicyProperties xmlns="http://schemas.microsoft.com/sharepoint/v3" xsi:nil="true"/>
-  </documentManagement>
-</p:properties>
 </file>
 
 <file path=customXml/itemProps1.xml><?xml version="1.0" encoding="utf-8"?>
@@ -21943,14 +22702,6 @@
 </file>
 
 <file path=customXml/itemProps2.xml><?xml version="1.0" encoding="utf-8"?>
-<ds:datastoreItem xmlns:ds="http://schemas.openxmlformats.org/officeDocument/2006/customXml" ds:itemID="{F18501AF-04CF-4482-BAE1-607B49DDC378}">
-  <ds:schemaRefs>
-    <ds:schemaRef ds:uri="http://schemas.microsoft.com/sharepoint/v3/contenttype/forms"/>
-  </ds:schemaRefs>
-</ds:datastoreItem>
-</file>
-
-<file path=customXml/itemProps3.xml><?xml version="1.0" encoding="utf-8"?>
 <ds:datastoreItem xmlns:ds="http://schemas.openxmlformats.org/officeDocument/2006/customXml" ds:itemID="{BAF7D529-36AB-45DA-B239-2F912F2D1610}">
   <ds:schemaRefs>
     <ds:schemaRef ds:uri="http://schemas.openxmlformats.org/package/2006/metadata/core-properties"/>
@@ -21966,4 +22717,12 @@
     <ds:schemaRef ds:uri="http://purl.org/dc/elements/1.1/"/>
   </ds:schemaRefs>
 </ds:datastoreItem>
+</file>
+
+<file path=customXml/itemProps3.xml><?xml version="1.0" encoding="utf-8"?>
+<ds:datastoreItem xmlns:ds="http://schemas.openxmlformats.org/officeDocument/2006/customXml" ds:itemID="{F18501AF-04CF-4482-BAE1-607B49DDC378}">
+  <ds:schemaRefs>
+    <ds:schemaRef ds:uri="http://schemas.microsoft.com/sharepoint/v3/contenttype/forms"/>
+  </ds:schemaRefs>
+</ds:datastoreItem>
 </file>